--- a/docs/ZenCore.pptx
+++ b/docs/ZenCore.pptx
@@ -1988,6 +1988,13 @@
         </dgm:presLayoutVars>
       </dgm:prSet>
       <dgm:spPr/>
+      <dgm:t>
+        <a:bodyPr/>
+        <a:lstStyle/>
+        <a:p>
+          <a:endParaRPr lang="ru-RU"/>
+        </a:p>
+      </dgm:t>
     </dgm:pt>
     <dgm:pt modelId="{563A7CAD-D840-44E6-BDCC-1D54404D21CD}" type="pres">
       <dgm:prSet presAssocID="{3E8046C7-59A7-436F-981D-EDB18B12A202}" presName="vertFlow" presStyleCnt="0"/>
@@ -1996,6 +2003,13 @@
     <dgm:pt modelId="{78B729F4-1371-4419-AA09-BA63795941F6}" type="pres">
       <dgm:prSet presAssocID="{3E8046C7-59A7-436F-981D-EDB18B12A202}" presName="header" presStyleLbl="node1" presStyleIdx="0" presStyleCnt="3"/>
       <dgm:spPr/>
+      <dgm:t>
+        <a:bodyPr/>
+        <a:lstStyle/>
+        <a:p>
+          <a:endParaRPr lang="ru-RU"/>
+        </a:p>
+      </dgm:t>
     </dgm:pt>
     <dgm:pt modelId="{F4DF879B-1EC3-4A6D-9A36-A1954365E9DC}" type="pres">
       <dgm:prSet presAssocID="{3E8046C7-59A7-436F-981D-EDB18B12A202}" presName="hSp" presStyleCnt="0"/>
@@ -2008,10 +2022,24 @@
     <dgm:pt modelId="{6E9CB082-0229-490A-B715-0412743FA94B}" type="pres">
       <dgm:prSet presAssocID="{D02528FC-A284-42D1-B70A-03CAC89CF150}" presName="header" presStyleLbl="node1" presStyleIdx="1" presStyleCnt="3"/>
       <dgm:spPr/>
+      <dgm:t>
+        <a:bodyPr/>
+        <a:lstStyle/>
+        <a:p>
+          <a:endParaRPr lang="ru-RU"/>
+        </a:p>
+      </dgm:t>
     </dgm:pt>
     <dgm:pt modelId="{92D87B5C-7B00-4219-B6E2-DDA880E4D715}" type="pres">
       <dgm:prSet presAssocID="{4D55FB25-3E3F-49EC-9871-7AE04F4EFE93}" presName="parTrans" presStyleLbl="sibTrans2D1" presStyleIdx="0" presStyleCnt="4"/>
       <dgm:spPr/>
+      <dgm:t>
+        <a:bodyPr/>
+        <a:lstStyle/>
+        <a:p>
+          <a:endParaRPr lang="ru-RU"/>
+        </a:p>
+      </dgm:t>
     </dgm:pt>
     <dgm:pt modelId="{8400F283-A4B6-4CF7-9A8B-35DC0A8974E3}" type="pres">
       <dgm:prSet presAssocID="{9D12A534-16C6-426A-9A08-CACB86DC6F0E}" presName="child" presStyleLbl="alignAccFollowNode1" presStyleIdx="0" presStyleCnt="4">
@@ -2021,10 +2049,24 @@
         </dgm:presLayoutVars>
       </dgm:prSet>
       <dgm:spPr/>
+      <dgm:t>
+        <a:bodyPr/>
+        <a:lstStyle/>
+        <a:p>
+          <a:endParaRPr lang="ru-RU"/>
+        </a:p>
+      </dgm:t>
     </dgm:pt>
     <dgm:pt modelId="{18626949-A8B9-4707-A3FE-D0439AA3BB29}" type="pres">
       <dgm:prSet presAssocID="{6A1A644F-5097-4104-B5B5-F88E919A7EEE}" presName="sibTrans" presStyleLbl="sibTrans2D1" presStyleIdx="1" presStyleCnt="4"/>
       <dgm:spPr/>
+      <dgm:t>
+        <a:bodyPr/>
+        <a:lstStyle/>
+        <a:p>
+          <a:endParaRPr lang="ru-RU"/>
+        </a:p>
+      </dgm:t>
     </dgm:pt>
     <dgm:pt modelId="{07BE5471-A2C4-4757-B87E-1F52D1729F79}" type="pres">
       <dgm:prSet presAssocID="{5E034D5A-9660-4FA4-B37E-25CFFBEF7EBC}" presName="child" presStyleLbl="alignAccFollowNode1" presStyleIdx="1" presStyleCnt="4">
@@ -2053,10 +2095,24 @@
     <dgm:pt modelId="{CD2147E2-DC8D-48D2-9675-F31B7845FF4E}" type="pres">
       <dgm:prSet presAssocID="{0E4F7DA9-5220-44E9-9ECC-F6603ECDBFC8}" presName="header" presStyleLbl="node1" presStyleIdx="2" presStyleCnt="3"/>
       <dgm:spPr/>
+      <dgm:t>
+        <a:bodyPr/>
+        <a:lstStyle/>
+        <a:p>
+          <a:endParaRPr lang="ru-RU"/>
+        </a:p>
+      </dgm:t>
     </dgm:pt>
     <dgm:pt modelId="{B1E8574C-88B9-42FE-A7BF-613049B010B4}" type="pres">
       <dgm:prSet presAssocID="{BDE16554-00B3-4339-A0D4-D4A723212E20}" presName="parTrans" presStyleLbl="sibTrans2D1" presStyleIdx="2" presStyleCnt="4"/>
       <dgm:spPr/>
+      <dgm:t>
+        <a:bodyPr/>
+        <a:lstStyle/>
+        <a:p>
+          <a:endParaRPr lang="ru-RU"/>
+        </a:p>
+      </dgm:t>
     </dgm:pt>
     <dgm:pt modelId="{FF21E113-E64D-4814-9742-5B7ACF00309B}" type="pres">
       <dgm:prSet presAssocID="{939FA8CF-91E9-40E6-BCD9-87C4830AABD4}" presName="child" presStyleLbl="alignAccFollowNode1" presStyleIdx="2" presStyleCnt="4">
@@ -2066,10 +2122,24 @@
         </dgm:presLayoutVars>
       </dgm:prSet>
       <dgm:spPr/>
+      <dgm:t>
+        <a:bodyPr/>
+        <a:lstStyle/>
+        <a:p>
+          <a:endParaRPr lang="ru-RU"/>
+        </a:p>
+      </dgm:t>
     </dgm:pt>
     <dgm:pt modelId="{A342FF67-C8E2-459D-A035-396A71F26394}" type="pres">
       <dgm:prSet presAssocID="{1AD2D952-171B-411D-9226-3720798204A3}" presName="sibTrans" presStyleLbl="sibTrans2D1" presStyleIdx="3" presStyleCnt="4"/>
       <dgm:spPr/>
+      <dgm:t>
+        <a:bodyPr/>
+        <a:lstStyle/>
+        <a:p>
+          <a:endParaRPr lang="ru-RU"/>
+        </a:p>
+      </dgm:t>
     </dgm:pt>
     <dgm:pt modelId="{53708D37-3070-4FD0-BE47-F28F8CC81BC1}" type="pres">
       <dgm:prSet presAssocID="{B3402ECF-D238-4A4F-B4D6-76B0AD4271BA}" presName="child" presStyleLbl="alignAccFollowNode1" presStyleIdx="3" presStyleCnt="4">
@@ -2090,24 +2160,24 @@
   </dgm:ptLst>
   <dgm:cxnLst>
     <dgm:cxn modelId="{709F2CDB-BEAB-464A-9BFA-7D23519AA0FD}" type="presOf" srcId="{3E8046C7-59A7-436F-981D-EDB18B12A202}" destId="{78B729F4-1371-4419-AA09-BA63795941F6}" srcOrd="0" destOrd="0" presId="urn:microsoft.com/office/officeart/2005/8/layout/lProcess1"/>
+    <dgm:cxn modelId="{20B09039-DAE2-46B4-B0B8-82B3146C6683}" srcId="{544589D0-79AD-420A-A89B-071F5FBA1E05}" destId="{D02528FC-A284-42D1-B70A-03CAC89CF150}" srcOrd="1" destOrd="0" parTransId="{66C27EE3-AA48-471B-86F3-4B11C6B53CED}" sibTransId="{02D7B1C0-0F9C-41EC-992A-0F044F8A0DEC}"/>
+    <dgm:cxn modelId="{EF67CB11-B968-4C04-8C66-9D440CCE9367}" type="presOf" srcId="{D02528FC-A284-42D1-B70A-03CAC89CF150}" destId="{6E9CB082-0229-490A-B715-0412743FA94B}" srcOrd="0" destOrd="0" presId="urn:microsoft.com/office/officeart/2005/8/layout/lProcess1"/>
+    <dgm:cxn modelId="{ABCA9405-C9CF-4C77-8B21-1D92842C317D}" srcId="{544589D0-79AD-420A-A89B-071F5FBA1E05}" destId="{0E4F7DA9-5220-44E9-9ECC-F6603ECDBFC8}" srcOrd="2" destOrd="0" parTransId="{1F3D6621-5E3E-4C8E-81B6-E847C78109E7}" sibTransId="{C8E00B35-9735-43AB-86D7-ECE7F3F5818E}"/>
+    <dgm:cxn modelId="{14926E19-2ABE-4675-B2EB-D4BE110A28AF}" srcId="{D02528FC-A284-42D1-B70A-03CAC89CF150}" destId="{9D12A534-16C6-426A-9A08-CACB86DC6F0E}" srcOrd="0" destOrd="0" parTransId="{4D55FB25-3E3F-49EC-9871-7AE04F4EFE93}" sibTransId="{6A1A644F-5097-4104-B5B5-F88E919A7EEE}"/>
+    <dgm:cxn modelId="{3985F935-3CDF-460B-8524-BC8FA3A72BCC}" type="presOf" srcId="{1AD2D952-171B-411D-9226-3720798204A3}" destId="{A342FF67-C8E2-459D-A035-396A71F26394}" srcOrd="0" destOrd="0" presId="urn:microsoft.com/office/officeart/2005/8/layout/lProcess1"/>
+    <dgm:cxn modelId="{9B56E57E-29B9-4C76-A6BF-2DC8293EA87F}" type="presOf" srcId="{6A1A644F-5097-4104-B5B5-F88E919A7EEE}" destId="{18626949-A8B9-4707-A3FE-D0439AA3BB29}" srcOrd="0" destOrd="0" presId="urn:microsoft.com/office/officeart/2005/8/layout/lProcess1"/>
+    <dgm:cxn modelId="{79D64C9E-61EB-4F9A-AFF4-DE989C9693EE}" type="presOf" srcId="{0E4F7DA9-5220-44E9-9ECC-F6603ECDBFC8}" destId="{CD2147E2-DC8D-48D2-9675-F31B7845FF4E}" srcOrd="0" destOrd="0" presId="urn:microsoft.com/office/officeart/2005/8/layout/lProcess1"/>
+    <dgm:cxn modelId="{D262C51C-4622-483B-BF54-4FF5ED5F6072}" type="presOf" srcId="{BDE16554-00B3-4339-A0D4-D4A723212E20}" destId="{B1E8574C-88B9-42FE-A7BF-613049B010B4}" srcOrd="0" destOrd="0" presId="urn:microsoft.com/office/officeart/2005/8/layout/lProcess1"/>
+    <dgm:cxn modelId="{D8587989-8CEE-495D-A692-A87DDEA217E8}" type="presOf" srcId="{B3402ECF-D238-4A4F-B4D6-76B0AD4271BA}" destId="{53708D37-3070-4FD0-BE47-F28F8CC81BC1}" srcOrd="0" destOrd="0" presId="urn:microsoft.com/office/officeart/2005/8/layout/lProcess1"/>
+    <dgm:cxn modelId="{E3FF639F-C848-461A-B4E4-F0E387C507DA}" type="presOf" srcId="{939FA8CF-91E9-40E6-BCD9-87C4830AABD4}" destId="{FF21E113-E64D-4814-9742-5B7ACF00309B}" srcOrd="0" destOrd="0" presId="urn:microsoft.com/office/officeart/2005/8/layout/lProcess1"/>
     <dgm:cxn modelId="{A1C32028-FE37-4E64-AF7E-73A7D3BDF95C}" type="presOf" srcId="{9D12A534-16C6-426A-9A08-CACB86DC6F0E}" destId="{8400F283-A4B6-4CF7-9A8B-35DC0A8974E3}" srcOrd="0" destOrd="0" presId="urn:microsoft.com/office/officeart/2005/8/layout/lProcess1"/>
-    <dgm:cxn modelId="{79D64C9E-61EB-4F9A-AFF4-DE989C9693EE}" type="presOf" srcId="{0E4F7DA9-5220-44E9-9ECC-F6603ECDBFC8}" destId="{CD2147E2-DC8D-48D2-9675-F31B7845FF4E}" srcOrd="0" destOrd="0" presId="urn:microsoft.com/office/officeart/2005/8/layout/lProcess1"/>
-    <dgm:cxn modelId="{D8587989-8CEE-495D-A692-A87DDEA217E8}" type="presOf" srcId="{B3402ECF-D238-4A4F-B4D6-76B0AD4271BA}" destId="{53708D37-3070-4FD0-BE47-F28F8CC81BC1}" srcOrd="0" destOrd="0" presId="urn:microsoft.com/office/officeart/2005/8/layout/lProcess1"/>
+    <dgm:cxn modelId="{B5A94B85-4020-45C7-89BA-C8D137673214}" type="presOf" srcId="{5E034D5A-9660-4FA4-B37E-25CFFBEF7EBC}" destId="{07BE5471-A2C4-4757-B87E-1F52D1729F79}" srcOrd="0" destOrd="0" presId="urn:microsoft.com/office/officeart/2005/8/layout/lProcess1"/>
+    <dgm:cxn modelId="{32758691-3DB9-4ACA-B348-BDDB29F7D38E}" srcId="{D02528FC-A284-42D1-B70A-03CAC89CF150}" destId="{5E034D5A-9660-4FA4-B37E-25CFFBEF7EBC}" srcOrd="1" destOrd="0" parTransId="{38F2945D-69C4-457A-9FA8-30A085FDB2C1}" sibTransId="{806E0F55-07CE-4D3E-AA14-F61A4466DAAA}"/>
+    <dgm:cxn modelId="{8E8109F3-0E50-4457-902D-A7D4319B6EE3}" srcId="{0E4F7DA9-5220-44E9-9ECC-F6603ECDBFC8}" destId="{939FA8CF-91E9-40E6-BCD9-87C4830AABD4}" srcOrd="0" destOrd="0" parTransId="{BDE16554-00B3-4339-A0D4-D4A723212E20}" sibTransId="{1AD2D952-171B-411D-9226-3720798204A3}"/>
+    <dgm:cxn modelId="{E0F699F7-A11D-4055-9474-912AFEB0263E}" srcId="{544589D0-79AD-420A-A89B-071F5FBA1E05}" destId="{3E8046C7-59A7-436F-981D-EDB18B12A202}" srcOrd="0" destOrd="0" parTransId="{AD1F285C-69BF-451E-B006-417D80411636}" sibTransId="{651F2E78-A489-4673-AD79-F9875A34A9F7}"/>
+    <dgm:cxn modelId="{188F8893-D030-41BA-83CC-3A70ADACDB0A}" srcId="{0E4F7DA9-5220-44E9-9ECC-F6603ECDBFC8}" destId="{B3402ECF-D238-4A4F-B4D6-76B0AD4271BA}" srcOrd="1" destOrd="0" parTransId="{D19510D0-9183-42F4-8CF5-F622D4ECFDDF}" sibTransId="{BC44BC5A-8F23-4E93-8855-402E3983496B}"/>
     <dgm:cxn modelId="{9B0F2025-ED67-414E-ACF3-0222D9B9B2F5}" type="presOf" srcId="{4D55FB25-3E3F-49EC-9871-7AE04F4EFE93}" destId="{92D87B5C-7B00-4219-B6E2-DDA880E4D715}" srcOrd="0" destOrd="0" presId="urn:microsoft.com/office/officeart/2005/8/layout/lProcess1"/>
-    <dgm:cxn modelId="{ABCA9405-C9CF-4C77-8B21-1D92842C317D}" srcId="{544589D0-79AD-420A-A89B-071F5FBA1E05}" destId="{0E4F7DA9-5220-44E9-9ECC-F6603ECDBFC8}" srcOrd="2" destOrd="0" parTransId="{1F3D6621-5E3E-4C8E-81B6-E847C78109E7}" sibTransId="{C8E00B35-9735-43AB-86D7-ECE7F3F5818E}"/>
-    <dgm:cxn modelId="{EF67CB11-B968-4C04-8C66-9D440CCE9367}" type="presOf" srcId="{D02528FC-A284-42D1-B70A-03CAC89CF150}" destId="{6E9CB082-0229-490A-B715-0412743FA94B}" srcOrd="0" destOrd="0" presId="urn:microsoft.com/office/officeart/2005/8/layout/lProcess1"/>
-    <dgm:cxn modelId="{D262C51C-4622-483B-BF54-4FF5ED5F6072}" type="presOf" srcId="{BDE16554-00B3-4339-A0D4-D4A723212E20}" destId="{B1E8574C-88B9-42FE-A7BF-613049B010B4}" srcOrd="0" destOrd="0" presId="urn:microsoft.com/office/officeart/2005/8/layout/lProcess1"/>
-    <dgm:cxn modelId="{188F8893-D030-41BA-83CC-3A70ADACDB0A}" srcId="{0E4F7DA9-5220-44E9-9ECC-F6603ECDBFC8}" destId="{B3402ECF-D238-4A4F-B4D6-76B0AD4271BA}" srcOrd="1" destOrd="0" parTransId="{D19510D0-9183-42F4-8CF5-F622D4ECFDDF}" sibTransId="{BC44BC5A-8F23-4E93-8855-402E3983496B}"/>
     <dgm:cxn modelId="{9662C6AB-2935-4A86-8BA6-626862482CEA}" type="presOf" srcId="{544589D0-79AD-420A-A89B-071F5FBA1E05}" destId="{BAD63677-68EC-45C6-BD94-3C6A7B3287D5}" srcOrd="0" destOrd="0" presId="urn:microsoft.com/office/officeart/2005/8/layout/lProcess1"/>
-    <dgm:cxn modelId="{14926E19-2ABE-4675-B2EB-D4BE110A28AF}" srcId="{D02528FC-A284-42D1-B70A-03CAC89CF150}" destId="{9D12A534-16C6-426A-9A08-CACB86DC6F0E}" srcOrd="0" destOrd="0" parTransId="{4D55FB25-3E3F-49EC-9871-7AE04F4EFE93}" sibTransId="{6A1A644F-5097-4104-B5B5-F88E919A7EEE}"/>
-    <dgm:cxn modelId="{E0F699F7-A11D-4055-9474-912AFEB0263E}" srcId="{544589D0-79AD-420A-A89B-071F5FBA1E05}" destId="{3E8046C7-59A7-436F-981D-EDB18B12A202}" srcOrd="0" destOrd="0" parTransId="{AD1F285C-69BF-451E-B006-417D80411636}" sibTransId="{651F2E78-A489-4673-AD79-F9875A34A9F7}"/>
-    <dgm:cxn modelId="{E3FF639F-C848-461A-B4E4-F0E387C507DA}" type="presOf" srcId="{939FA8CF-91E9-40E6-BCD9-87C4830AABD4}" destId="{FF21E113-E64D-4814-9742-5B7ACF00309B}" srcOrd="0" destOrd="0" presId="urn:microsoft.com/office/officeart/2005/8/layout/lProcess1"/>
-    <dgm:cxn modelId="{32758691-3DB9-4ACA-B348-BDDB29F7D38E}" srcId="{D02528FC-A284-42D1-B70A-03CAC89CF150}" destId="{5E034D5A-9660-4FA4-B37E-25CFFBEF7EBC}" srcOrd="1" destOrd="0" parTransId="{38F2945D-69C4-457A-9FA8-30A085FDB2C1}" sibTransId="{806E0F55-07CE-4D3E-AA14-F61A4466DAAA}"/>
-    <dgm:cxn modelId="{9B56E57E-29B9-4C76-A6BF-2DC8293EA87F}" type="presOf" srcId="{6A1A644F-5097-4104-B5B5-F88E919A7EEE}" destId="{18626949-A8B9-4707-A3FE-D0439AA3BB29}" srcOrd="0" destOrd="0" presId="urn:microsoft.com/office/officeart/2005/8/layout/lProcess1"/>
-    <dgm:cxn modelId="{B5A94B85-4020-45C7-89BA-C8D137673214}" type="presOf" srcId="{5E034D5A-9660-4FA4-B37E-25CFFBEF7EBC}" destId="{07BE5471-A2C4-4757-B87E-1F52D1729F79}" srcOrd="0" destOrd="0" presId="urn:microsoft.com/office/officeart/2005/8/layout/lProcess1"/>
-    <dgm:cxn modelId="{3985F935-3CDF-460B-8524-BC8FA3A72BCC}" type="presOf" srcId="{1AD2D952-171B-411D-9226-3720798204A3}" destId="{A342FF67-C8E2-459D-A035-396A71F26394}" srcOrd="0" destOrd="0" presId="urn:microsoft.com/office/officeart/2005/8/layout/lProcess1"/>
-    <dgm:cxn modelId="{20B09039-DAE2-46B4-B0B8-82B3146C6683}" srcId="{544589D0-79AD-420A-A89B-071F5FBA1E05}" destId="{D02528FC-A284-42D1-B70A-03CAC89CF150}" srcOrd="1" destOrd="0" parTransId="{66C27EE3-AA48-471B-86F3-4B11C6B53CED}" sibTransId="{02D7B1C0-0F9C-41EC-992A-0F044F8A0DEC}"/>
-    <dgm:cxn modelId="{8E8109F3-0E50-4457-902D-A7D4319B6EE3}" srcId="{0E4F7DA9-5220-44E9-9ECC-F6603ECDBFC8}" destId="{939FA8CF-91E9-40E6-BCD9-87C4830AABD4}" srcOrd="0" destOrd="0" parTransId="{BDE16554-00B3-4339-A0D4-D4A723212E20}" sibTransId="{1AD2D952-171B-411D-9226-3720798204A3}"/>
     <dgm:cxn modelId="{043D9683-AD78-468B-9F78-622792137698}" type="presParOf" srcId="{BAD63677-68EC-45C6-BD94-3C6A7B3287D5}" destId="{563A7CAD-D840-44E6-BDCC-1D54404D21CD}" srcOrd="0" destOrd="0" presId="urn:microsoft.com/office/officeart/2005/8/layout/lProcess1"/>
     <dgm:cxn modelId="{23296587-B379-48C5-B8EB-75CF3E4E6F85}" type="presParOf" srcId="{563A7CAD-D840-44E6-BDCC-1D54404D21CD}" destId="{78B729F4-1371-4419-AA09-BA63795941F6}" srcOrd="0" destOrd="0" presId="urn:microsoft.com/office/officeart/2005/8/layout/lProcess1"/>
     <dgm:cxn modelId="{0D466A2B-5B53-4617-B7CF-D06A133E1876}" type="presParOf" srcId="{BAD63677-68EC-45C6-BD94-3C6A7B3287D5}" destId="{F4DF879B-1EC3-4A6D-9A36-A1954365E9DC}" srcOrd="1" destOrd="0" presId="urn:microsoft.com/office/officeart/2005/8/layout/lProcess1"/>
@@ -2601,6 +2671,13 @@
         </dgm:presLayoutVars>
       </dgm:prSet>
       <dgm:spPr/>
+      <dgm:t>
+        <a:bodyPr/>
+        <a:lstStyle/>
+        <a:p>
+          <a:endParaRPr lang="ru-RU"/>
+        </a:p>
+      </dgm:t>
     </dgm:pt>
     <dgm:pt modelId="{563A7CAD-D840-44E6-BDCC-1D54404D21CD}" type="pres">
       <dgm:prSet presAssocID="{3E8046C7-59A7-436F-981D-EDB18B12A202}" presName="vertFlow" presStyleCnt="0"/>
@@ -2609,10 +2686,24 @@
     <dgm:pt modelId="{78B729F4-1371-4419-AA09-BA63795941F6}" type="pres">
       <dgm:prSet presAssocID="{3E8046C7-59A7-436F-981D-EDB18B12A202}" presName="header" presStyleLbl="node1" presStyleIdx="0" presStyleCnt="4"/>
       <dgm:spPr/>
+      <dgm:t>
+        <a:bodyPr/>
+        <a:lstStyle/>
+        <a:p>
+          <a:endParaRPr lang="ru-RU"/>
+        </a:p>
+      </dgm:t>
     </dgm:pt>
     <dgm:pt modelId="{E793EE05-9110-498A-B035-F32B1AF963A5}" type="pres">
       <dgm:prSet presAssocID="{837B01C2-F9DB-4876-A66D-ABEA8621734B}" presName="parTrans" presStyleLbl="sibTrans2D1" presStyleIdx="0" presStyleCnt="7"/>
       <dgm:spPr/>
+      <dgm:t>
+        <a:bodyPr/>
+        <a:lstStyle/>
+        <a:p>
+          <a:endParaRPr lang="ru-RU"/>
+        </a:p>
+      </dgm:t>
     </dgm:pt>
     <dgm:pt modelId="{25B63565-BC56-4001-AFC0-A811B8E36DD8}" type="pres">
       <dgm:prSet presAssocID="{56D58DE1-8E3C-4D14-9A48-F373A4E96FA4}" presName="child" presStyleLbl="alignAccFollowNode1" presStyleIdx="0" presStyleCnt="7">
@@ -2622,10 +2713,24 @@
         </dgm:presLayoutVars>
       </dgm:prSet>
       <dgm:spPr/>
+      <dgm:t>
+        <a:bodyPr/>
+        <a:lstStyle/>
+        <a:p>
+          <a:endParaRPr lang="ru-RU"/>
+        </a:p>
+      </dgm:t>
     </dgm:pt>
     <dgm:pt modelId="{277967B0-6EDA-4C07-9068-D6203311B00D}" type="pres">
       <dgm:prSet presAssocID="{834FD7F7-B1E4-4BDD-BEE4-E53E20F5565C}" presName="sibTrans" presStyleLbl="sibTrans2D1" presStyleIdx="1" presStyleCnt="7"/>
       <dgm:spPr/>
+      <dgm:t>
+        <a:bodyPr/>
+        <a:lstStyle/>
+        <a:p>
+          <a:endParaRPr lang="ru-RU"/>
+        </a:p>
+      </dgm:t>
     </dgm:pt>
     <dgm:pt modelId="{CD6B50A7-36CB-41B7-B3AB-1EA34CE06A66}" type="pres">
       <dgm:prSet presAssocID="{B571659A-1767-47F2-8C7C-1035AC476B11}" presName="child" presStyleLbl="alignAccFollowNode1" presStyleIdx="1" presStyleCnt="7">
@@ -2646,6 +2751,13 @@
     <dgm:pt modelId="{8529474A-18FD-4648-9A66-EBCE03A5AF05}" type="pres">
       <dgm:prSet presAssocID="{247A3781-2AC2-4C78-958E-14DCAD5B6D2F}" presName="sibTrans" presStyleLbl="sibTrans2D1" presStyleIdx="2" presStyleCnt="7"/>
       <dgm:spPr/>
+      <dgm:t>
+        <a:bodyPr/>
+        <a:lstStyle/>
+        <a:p>
+          <a:endParaRPr lang="ru-RU"/>
+        </a:p>
+      </dgm:t>
     </dgm:pt>
     <dgm:pt modelId="{F115B8E4-1FA8-461B-839C-B35441FF496F}" type="pres">
       <dgm:prSet presAssocID="{81FC1077-54C0-4DDB-B37D-8AC85E475C18}" presName="child" presStyleLbl="alignAccFollowNode1" presStyleIdx="2" presStyleCnt="7">
@@ -2674,10 +2786,24 @@
     <dgm:pt modelId="{FF982F86-D2FF-49F0-8A66-25C3652F8577}" type="pres">
       <dgm:prSet presAssocID="{8471FF05-BA4C-459D-89D8-5A33C6C4B74D}" presName="header" presStyleLbl="node1" presStyleIdx="1" presStyleCnt="4"/>
       <dgm:spPr/>
+      <dgm:t>
+        <a:bodyPr/>
+        <a:lstStyle/>
+        <a:p>
+          <a:endParaRPr lang="ru-RU"/>
+        </a:p>
+      </dgm:t>
     </dgm:pt>
     <dgm:pt modelId="{73FFF96E-4193-41FD-87E7-D97AEA7C58EC}" type="pres">
       <dgm:prSet presAssocID="{10ABEF90-4FEC-4310-B31E-9E65089C8A98}" presName="parTrans" presStyleLbl="sibTrans2D1" presStyleIdx="3" presStyleCnt="7"/>
       <dgm:spPr/>
+      <dgm:t>
+        <a:bodyPr/>
+        <a:lstStyle/>
+        <a:p>
+          <a:endParaRPr lang="ru-RU"/>
+        </a:p>
+      </dgm:t>
     </dgm:pt>
     <dgm:pt modelId="{2BAD7BAC-92DB-44AF-9AF4-2AB3A7A0C5D3}" type="pres">
       <dgm:prSet presAssocID="{4DCB2302-FF97-46AC-B306-13A89B1BEF07}" presName="child" presStyleLbl="alignAccFollowNode1" presStyleIdx="3" presStyleCnt="7">
@@ -2706,10 +2832,24 @@
     <dgm:pt modelId="{6E9CB082-0229-490A-B715-0412743FA94B}" type="pres">
       <dgm:prSet presAssocID="{D02528FC-A284-42D1-B70A-03CAC89CF150}" presName="header" presStyleLbl="node1" presStyleIdx="2" presStyleCnt="4"/>
       <dgm:spPr/>
+      <dgm:t>
+        <a:bodyPr/>
+        <a:lstStyle/>
+        <a:p>
+          <a:endParaRPr lang="ru-RU"/>
+        </a:p>
+      </dgm:t>
     </dgm:pt>
     <dgm:pt modelId="{92D87B5C-7B00-4219-B6E2-DDA880E4D715}" type="pres">
       <dgm:prSet presAssocID="{4D55FB25-3E3F-49EC-9871-7AE04F4EFE93}" presName="parTrans" presStyleLbl="sibTrans2D1" presStyleIdx="4" presStyleCnt="7"/>
       <dgm:spPr/>
+      <dgm:t>
+        <a:bodyPr/>
+        <a:lstStyle/>
+        <a:p>
+          <a:endParaRPr lang="ru-RU"/>
+        </a:p>
+      </dgm:t>
     </dgm:pt>
     <dgm:pt modelId="{8400F283-A4B6-4CF7-9A8B-35DC0A8974E3}" type="pres">
       <dgm:prSet presAssocID="{9D12A534-16C6-426A-9A08-CACB86DC6F0E}" presName="child" presStyleLbl="alignAccFollowNode1" presStyleIdx="4" presStyleCnt="7">
@@ -2719,10 +2859,24 @@
         </dgm:presLayoutVars>
       </dgm:prSet>
       <dgm:spPr/>
+      <dgm:t>
+        <a:bodyPr/>
+        <a:lstStyle/>
+        <a:p>
+          <a:endParaRPr lang="ru-RU"/>
+        </a:p>
+      </dgm:t>
     </dgm:pt>
     <dgm:pt modelId="{18626949-A8B9-4707-A3FE-D0439AA3BB29}" type="pres">
       <dgm:prSet presAssocID="{6A1A644F-5097-4104-B5B5-F88E919A7EEE}" presName="sibTrans" presStyleLbl="sibTrans2D1" presStyleIdx="5" presStyleCnt="7"/>
       <dgm:spPr/>
+      <dgm:t>
+        <a:bodyPr/>
+        <a:lstStyle/>
+        <a:p>
+          <a:endParaRPr lang="ru-RU"/>
+        </a:p>
+      </dgm:t>
     </dgm:pt>
     <dgm:pt modelId="{07BE5471-A2C4-4757-B87E-1F52D1729F79}" type="pres">
       <dgm:prSet presAssocID="{5E034D5A-9660-4FA4-B37E-25CFFBEF7EBC}" presName="child" presStyleLbl="alignAccFollowNode1" presStyleIdx="5" presStyleCnt="7">
@@ -2751,10 +2905,24 @@
     <dgm:pt modelId="{CD2147E2-DC8D-48D2-9675-F31B7845FF4E}" type="pres">
       <dgm:prSet presAssocID="{0E4F7DA9-5220-44E9-9ECC-F6603ECDBFC8}" presName="header" presStyleLbl="node1" presStyleIdx="3" presStyleCnt="4"/>
       <dgm:spPr/>
+      <dgm:t>
+        <a:bodyPr/>
+        <a:lstStyle/>
+        <a:p>
+          <a:endParaRPr lang="ru-RU"/>
+        </a:p>
+      </dgm:t>
     </dgm:pt>
     <dgm:pt modelId="{B1E8574C-88B9-42FE-A7BF-613049B010B4}" type="pres">
       <dgm:prSet presAssocID="{BDE16554-00B3-4339-A0D4-D4A723212E20}" presName="parTrans" presStyleLbl="sibTrans2D1" presStyleIdx="6" presStyleCnt="7"/>
       <dgm:spPr/>
+      <dgm:t>
+        <a:bodyPr/>
+        <a:lstStyle/>
+        <a:p>
+          <a:endParaRPr lang="ru-RU"/>
+        </a:p>
+      </dgm:t>
     </dgm:pt>
     <dgm:pt modelId="{FF21E113-E64D-4814-9742-5B7ACF00309B}" type="pres">
       <dgm:prSet presAssocID="{939FA8CF-91E9-40E6-BCD9-87C4830AABD4}" presName="child" presStyleLbl="alignAccFollowNode1" presStyleIdx="6" presStyleCnt="7">
@@ -2764,39 +2932,46 @@
         </dgm:presLayoutVars>
       </dgm:prSet>
       <dgm:spPr/>
+      <dgm:t>
+        <a:bodyPr/>
+        <a:lstStyle/>
+        <a:p>
+          <a:endParaRPr lang="ru-RU"/>
+        </a:p>
+      </dgm:t>
     </dgm:pt>
   </dgm:ptLst>
   <dgm:cxnLst>
-    <dgm:cxn modelId="{C2E78AF6-9BE0-4A06-9C2A-B8A7658E5B35}" type="presOf" srcId="{6A1A644F-5097-4104-B5B5-F88E919A7EEE}" destId="{18626949-A8B9-4707-A3FE-D0439AA3BB29}" srcOrd="0" destOrd="0" presId="urn:microsoft.com/office/officeart/2005/8/layout/lProcess1"/>
     <dgm:cxn modelId="{854AFA67-93B7-45A1-9311-4291368E1310}" srcId="{3E8046C7-59A7-436F-981D-EDB18B12A202}" destId="{B571659A-1767-47F2-8C7C-1035AC476B11}" srcOrd="1" destOrd="0" parTransId="{9D37CCA6-E625-4C8A-B9DF-C54F1CB07415}" sibTransId="{247A3781-2AC2-4C78-958E-14DCAD5B6D2F}"/>
-    <dgm:cxn modelId="{7E0716B9-18FE-4A24-81FC-509D39D353CF}" type="presOf" srcId="{939FA8CF-91E9-40E6-BCD9-87C4830AABD4}" destId="{FF21E113-E64D-4814-9742-5B7ACF00309B}" srcOrd="0" destOrd="0" presId="urn:microsoft.com/office/officeart/2005/8/layout/lProcess1"/>
-    <dgm:cxn modelId="{F61FA540-053D-498D-B460-8AA1FF812F99}" type="presOf" srcId="{3E8046C7-59A7-436F-981D-EDB18B12A202}" destId="{78B729F4-1371-4419-AA09-BA63795941F6}" srcOrd="0" destOrd="0" presId="urn:microsoft.com/office/officeart/2005/8/layout/lProcess1"/>
-    <dgm:cxn modelId="{889D3678-31C0-4AF1-8AF7-FA606A773444}" srcId="{544589D0-79AD-420A-A89B-071F5FBA1E05}" destId="{8471FF05-BA4C-459D-89D8-5A33C6C4B74D}" srcOrd="1" destOrd="0" parTransId="{2AC12CFF-4C8C-45D0-8B1F-E9115C7A3524}" sibTransId="{0EE35FF4-B74E-4230-963A-C614F4B2A9A1}"/>
-    <dgm:cxn modelId="{14926E19-2ABE-4675-B2EB-D4BE110A28AF}" srcId="{D02528FC-A284-42D1-B70A-03CAC89CF150}" destId="{9D12A534-16C6-426A-9A08-CACB86DC6F0E}" srcOrd="0" destOrd="0" parTransId="{4D55FB25-3E3F-49EC-9871-7AE04F4EFE93}" sibTransId="{6A1A644F-5097-4104-B5B5-F88E919A7EEE}"/>
-    <dgm:cxn modelId="{32758691-3DB9-4ACA-B348-BDDB29F7D38E}" srcId="{D02528FC-A284-42D1-B70A-03CAC89CF150}" destId="{5E034D5A-9660-4FA4-B37E-25CFFBEF7EBC}" srcOrd="1" destOrd="0" parTransId="{38F2945D-69C4-457A-9FA8-30A085FDB2C1}" sibTransId="{806E0F55-07CE-4D3E-AA14-F61A4466DAAA}"/>
-    <dgm:cxn modelId="{B1AA2F0D-4518-45BD-A1E0-5943FE6C845D}" srcId="{8471FF05-BA4C-459D-89D8-5A33C6C4B74D}" destId="{4DCB2302-FF97-46AC-B306-13A89B1BEF07}" srcOrd="0" destOrd="0" parTransId="{10ABEF90-4FEC-4310-B31E-9E65089C8A98}" sibTransId="{50988FC4-9461-40F6-84A4-0CC453A269C0}"/>
-    <dgm:cxn modelId="{E5040255-F0D3-4501-8141-5C01B6A19C73}" type="presOf" srcId="{834FD7F7-B1E4-4BDD-BEE4-E53E20F5565C}" destId="{277967B0-6EDA-4C07-9068-D6203311B00D}" srcOrd="0" destOrd="0" presId="urn:microsoft.com/office/officeart/2005/8/layout/lProcess1"/>
+    <dgm:cxn modelId="{C18ED380-1A39-4076-9BEA-567B3C8EF6DB}" srcId="{3E8046C7-59A7-436F-981D-EDB18B12A202}" destId="{81FC1077-54C0-4DDB-B37D-8AC85E475C18}" srcOrd="2" destOrd="0" parTransId="{A71496E4-5218-40F7-A21B-CB5EC1B9DFAC}" sibTransId="{EDFBAE55-7876-464E-A152-E1100D06C362}"/>
     <dgm:cxn modelId="{182384D8-88B5-4096-9E68-6FC44F25D651}" type="presOf" srcId="{D02528FC-A284-42D1-B70A-03CAC89CF150}" destId="{6E9CB082-0229-490A-B715-0412743FA94B}" srcOrd="0" destOrd="0" presId="urn:microsoft.com/office/officeart/2005/8/layout/lProcess1"/>
     <dgm:cxn modelId="{1969A1A3-A26F-48B0-9A67-B17327A846B3}" type="presOf" srcId="{BDE16554-00B3-4339-A0D4-D4A723212E20}" destId="{B1E8574C-88B9-42FE-A7BF-613049B010B4}" srcOrd="0" destOrd="0" presId="urn:microsoft.com/office/officeart/2005/8/layout/lProcess1"/>
+    <dgm:cxn modelId="{E5040255-F0D3-4501-8141-5C01B6A19C73}" type="presOf" srcId="{834FD7F7-B1E4-4BDD-BEE4-E53E20F5565C}" destId="{277967B0-6EDA-4C07-9068-D6203311B00D}" srcOrd="0" destOrd="0" presId="urn:microsoft.com/office/officeart/2005/8/layout/lProcess1"/>
+    <dgm:cxn modelId="{0786A0D6-8E16-4101-A34E-17BFE40E1167}" type="presOf" srcId="{56D58DE1-8E3C-4D14-9A48-F373A4E96FA4}" destId="{25B63565-BC56-4001-AFC0-A811B8E36DD8}" srcOrd="0" destOrd="0" presId="urn:microsoft.com/office/officeart/2005/8/layout/lProcess1"/>
+    <dgm:cxn modelId="{7E0716B9-18FE-4A24-81FC-509D39D353CF}" type="presOf" srcId="{939FA8CF-91E9-40E6-BCD9-87C4830AABD4}" destId="{FF21E113-E64D-4814-9742-5B7ACF00309B}" srcOrd="0" destOrd="0" presId="urn:microsoft.com/office/officeart/2005/8/layout/lProcess1"/>
     <dgm:cxn modelId="{82B71640-8517-4D58-9C85-7C060C149387}" type="presOf" srcId="{4DCB2302-FF97-46AC-B306-13A89B1BEF07}" destId="{2BAD7BAC-92DB-44AF-9AF4-2AB3A7A0C5D3}" srcOrd="0" destOrd="0" presId="urn:microsoft.com/office/officeart/2005/8/layout/lProcess1"/>
+    <dgm:cxn modelId="{14634BC2-62C0-42C1-AD0F-0E0F4BA8676E}" type="presOf" srcId="{4D55FB25-3E3F-49EC-9871-7AE04F4EFE93}" destId="{92D87B5C-7B00-4219-B6E2-DDA880E4D715}" srcOrd="0" destOrd="0" presId="urn:microsoft.com/office/officeart/2005/8/layout/lProcess1"/>
+    <dgm:cxn modelId="{E0F699F7-A11D-4055-9474-912AFEB0263E}" srcId="{544589D0-79AD-420A-A89B-071F5FBA1E05}" destId="{3E8046C7-59A7-436F-981D-EDB18B12A202}" srcOrd="0" destOrd="0" parTransId="{AD1F285C-69BF-451E-B006-417D80411636}" sibTransId="{651F2E78-A489-4673-AD79-F9875A34A9F7}"/>
+    <dgm:cxn modelId="{B4F84030-D1FE-4C89-A0EC-7C0D709A4CF6}" type="presOf" srcId="{837B01C2-F9DB-4876-A66D-ABEA8621734B}" destId="{E793EE05-9110-498A-B035-F32B1AF963A5}" srcOrd="0" destOrd="0" presId="urn:microsoft.com/office/officeart/2005/8/layout/lProcess1"/>
+    <dgm:cxn modelId="{14926E19-2ABE-4675-B2EB-D4BE110A28AF}" srcId="{D02528FC-A284-42D1-B70A-03CAC89CF150}" destId="{9D12A534-16C6-426A-9A08-CACB86DC6F0E}" srcOrd="0" destOrd="0" parTransId="{4D55FB25-3E3F-49EC-9871-7AE04F4EFE93}" sibTransId="{6A1A644F-5097-4104-B5B5-F88E919A7EEE}"/>
+    <dgm:cxn modelId="{ABCA9405-C9CF-4C77-8B21-1D92842C317D}" srcId="{544589D0-79AD-420A-A89B-071F5FBA1E05}" destId="{0E4F7DA9-5220-44E9-9ECC-F6603ECDBFC8}" srcOrd="3" destOrd="0" parTransId="{1F3D6621-5E3E-4C8E-81B6-E847C78109E7}" sibTransId="{C8E00B35-9735-43AB-86D7-ECE7F3F5818E}"/>
+    <dgm:cxn modelId="{4AEB0BA5-709A-4F9A-A51B-DC2A1E0ACFA5}" type="presOf" srcId="{10ABEF90-4FEC-4310-B31E-9E65089C8A98}" destId="{73FFF96E-4193-41FD-87E7-D97AEA7C58EC}" srcOrd="0" destOrd="0" presId="urn:microsoft.com/office/officeart/2005/8/layout/lProcess1"/>
+    <dgm:cxn modelId="{C2E78AF6-9BE0-4A06-9C2A-B8A7658E5B35}" type="presOf" srcId="{6A1A644F-5097-4104-B5B5-F88E919A7EEE}" destId="{18626949-A8B9-4707-A3FE-D0439AA3BB29}" srcOrd="0" destOrd="0" presId="urn:microsoft.com/office/officeart/2005/8/layout/lProcess1"/>
+    <dgm:cxn modelId="{4458E169-14DC-47FD-BF2E-B3F688D7805E}" type="presOf" srcId="{247A3781-2AC2-4C78-958E-14DCAD5B6D2F}" destId="{8529474A-18FD-4648-9A66-EBCE03A5AF05}" srcOrd="0" destOrd="0" presId="urn:microsoft.com/office/officeart/2005/8/layout/lProcess1"/>
+    <dgm:cxn modelId="{596E432A-F7CF-45C5-B9CB-651C2BF5B361}" type="presOf" srcId="{B571659A-1767-47F2-8C7C-1035AC476B11}" destId="{CD6B50A7-36CB-41B7-B3AB-1EA34CE06A66}" srcOrd="0" destOrd="0" presId="urn:microsoft.com/office/officeart/2005/8/layout/lProcess1"/>
+    <dgm:cxn modelId="{8E8109F3-0E50-4457-902D-A7D4319B6EE3}" srcId="{0E4F7DA9-5220-44E9-9ECC-F6603ECDBFC8}" destId="{939FA8CF-91E9-40E6-BCD9-87C4830AABD4}" srcOrd="0" destOrd="0" parTransId="{BDE16554-00B3-4339-A0D4-D4A723212E20}" sibTransId="{1AD2D952-171B-411D-9226-3720798204A3}"/>
+    <dgm:cxn modelId="{F61FA540-053D-498D-B460-8AA1FF812F99}" type="presOf" srcId="{3E8046C7-59A7-436F-981D-EDB18B12A202}" destId="{78B729F4-1371-4419-AA09-BA63795941F6}" srcOrd="0" destOrd="0" presId="urn:microsoft.com/office/officeart/2005/8/layout/lProcess1"/>
+    <dgm:cxn modelId="{52AF82F9-B5B7-4D9C-9E7D-582050CB369B}" type="presOf" srcId="{81FC1077-54C0-4DDB-B37D-8AC85E475C18}" destId="{F115B8E4-1FA8-461B-839C-B35441FF496F}" srcOrd="0" destOrd="0" presId="urn:microsoft.com/office/officeart/2005/8/layout/lProcess1"/>
+    <dgm:cxn modelId="{AD88B887-A64E-47B3-A0DB-19591743B30A}" type="presOf" srcId="{544589D0-79AD-420A-A89B-071F5FBA1E05}" destId="{BAD63677-68EC-45C6-BD94-3C6A7B3287D5}" srcOrd="0" destOrd="0" presId="urn:microsoft.com/office/officeart/2005/8/layout/lProcess1"/>
+    <dgm:cxn modelId="{FF1FC4FB-BD54-4C5F-88D9-D4D63F6FC9EF}" type="presOf" srcId="{8471FF05-BA4C-459D-89D8-5A33C6C4B74D}" destId="{FF982F86-D2FF-49F0-8A66-25C3652F8577}" srcOrd="0" destOrd="0" presId="urn:microsoft.com/office/officeart/2005/8/layout/lProcess1"/>
+    <dgm:cxn modelId="{8F46BD8E-BBB5-4C98-9ED6-FEE346F3A026}" type="presOf" srcId="{9D12A534-16C6-426A-9A08-CACB86DC6F0E}" destId="{8400F283-A4B6-4CF7-9A8B-35DC0A8974E3}" srcOrd="0" destOrd="0" presId="urn:microsoft.com/office/officeart/2005/8/layout/lProcess1"/>
+    <dgm:cxn modelId="{A2A4A0D0-E85F-477A-880B-C60C80E02074}" type="presOf" srcId="{0E4F7DA9-5220-44E9-9ECC-F6603ECDBFC8}" destId="{CD2147E2-DC8D-48D2-9675-F31B7845FF4E}" srcOrd="0" destOrd="0" presId="urn:microsoft.com/office/officeart/2005/8/layout/lProcess1"/>
+    <dgm:cxn modelId="{889D3678-31C0-4AF1-8AF7-FA606A773444}" srcId="{544589D0-79AD-420A-A89B-071F5FBA1E05}" destId="{8471FF05-BA4C-459D-89D8-5A33C6C4B74D}" srcOrd="1" destOrd="0" parTransId="{2AC12CFF-4C8C-45D0-8B1F-E9115C7A3524}" sibTransId="{0EE35FF4-B74E-4230-963A-C614F4B2A9A1}"/>
+    <dgm:cxn modelId="{32758691-3DB9-4ACA-B348-BDDB29F7D38E}" srcId="{D02528FC-A284-42D1-B70A-03CAC89CF150}" destId="{5E034D5A-9660-4FA4-B37E-25CFFBEF7EBC}" srcOrd="1" destOrd="0" parTransId="{38F2945D-69C4-457A-9FA8-30A085FDB2C1}" sibTransId="{806E0F55-07CE-4D3E-AA14-F61A4466DAAA}"/>
+    <dgm:cxn modelId="{197BC593-2C01-4552-9D0A-824792032C6E}" srcId="{3E8046C7-59A7-436F-981D-EDB18B12A202}" destId="{56D58DE1-8E3C-4D14-9A48-F373A4E96FA4}" srcOrd="0" destOrd="0" parTransId="{837B01C2-F9DB-4876-A66D-ABEA8621734B}" sibTransId="{834FD7F7-B1E4-4BDD-BEE4-E53E20F5565C}"/>
+    <dgm:cxn modelId="{20B09039-DAE2-46B4-B0B8-82B3146C6683}" srcId="{544589D0-79AD-420A-A89B-071F5FBA1E05}" destId="{D02528FC-A284-42D1-B70A-03CAC89CF150}" srcOrd="2" destOrd="0" parTransId="{66C27EE3-AA48-471B-86F3-4B11C6B53CED}" sibTransId="{02D7B1C0-0F9C-41EC-992A-0F044F8A0DEC}"/>
+    <dgm:cxn modelId="{B1AA2F0D-4518-45BD-A1E0-5943FE6C845D}" srcId="{8471FF05-BA4C-459D-89D8-5A33C6C4B74D}" destId="{4DCB2302-FF97-46AC-B306-13A89B1BEF07}" srcOrd="0" destOrd="0" parTransId="{10ABEF90-4FEC-4310-B31E-9E65089C8A98}" sibTransId="{50988FC4-9461-40F6-84A4-0CC453A269C0}"/>
     <dgm:cxn modelId="{6C88B2DF-C34E-4B83-BE67-D20E26F3D67C}" type="presOf" srcId="{5E034D5A-9660-4FA4-B37E-25CFFBEF7EBC}" destId="{07BE5471-A2C4-4757-B87E-1F52D1729F79}" srcOrd="0" destOrd="0" presId="urn:microsoft.com/office/officeart/2005/8/layout/lProcess1"/>
-    <dgm:cxn modelId="{C18ED380-1A39-4076-9BEA-567B3C8EF6DB}" srcId="{3E8046C7-59A7-436F-981D-EDB18B12A202}" destId="{81FC1077-54C0-4DDB-B37D-8AC85E475C18}" srcOrd="2" destOrd="0" parTransId="{A71496E4-5218-40F7-A21B-CB5EC1B9DFAC}" sibTransId="{EDFBAE55-7876-464E-A152-E1100D06C362}"/>
-    <dgm:cxn modelId="{B4F84030-D1FE-4C89-A0EC-7C0D709A4CF6}" type="presOf" srcId="{837B01C2-F9DB-4876-A66D-ABEA8621734B}" destId="{E793EE05-9110-498A-B035-F32B1AF963A5}" srcOrd="0" destOrd="0" presId="urn:microsoft.com/office/officeart/2005/8/layout/lProcess1"/>
-    <dgm:cxn modelId="{596E432A-F7CF-45C5-B9CB-651C2BF5B361}" type="presOf" srcId="{B571659A-1767-47F2-8C7C-1035AC476B11}" destId="{CD6B50A7-36CB-41B7-B3AB-1EA34CE06A66}" srcOrd="0" destOrd="0" presId="urn:microsoft.com/office/officeart/2005/8/layout/lProcess1"/>
-    <dgm:cxn modelId="{197BC593-2C01-4552-9D0A-824792032C6E}" srcId="{3E8046C7-59A7-436F-981D-EDB18B12A202}" destId="{56D58DE1-8E3C-4D14-9A48-F373A4E96FA4}" srcOrd="0" destOrd="0" parTransId="{837B01C2-F9DB-4876-A66D-ABEA8621734B}" sibTransId="{834FD7F7-B1E4-4BDD-BEE4-E53E20F5565C}"/>
-    <dgm:cxn modelId="{4458E169-14DC-47FD-BF2E-B3F688D7805E}" type="presOf" srcId="{247A3781-2AC2-4C78-958E-14DCAD5B6D2F}" destId="{8529474A-18FD-4648-9A66-EBCE03A5AF05}" srcOrd="0" destOrd="0" presId="urn:microsoft.com/office/officeart/2005/8/layout/lProcess1"/>
-    <dgm:cxn modelId="{0786A0D6-8E16-4101-A34E-17BFE40E1167}" type="presOf" srcId="{56D58DE1-8E3C-4D14-9A48-F373A4E96FA4}" destId="{25B63565-BC56-4001-AFC0-A811B8E36DD8}" srcOrd="0" destOrd="0" presId="urn:microsoft.com/office/officeart/2005/8/layout/lProcess1"/>
-    <dgm:cxn modelId="{E0F699F7-A11D-4055-9474-912AFEB0263E}" srcId="{544589D0-79AD-420A-A89B-071F5FBA1E05}" destId="{3E8046C7-59A7-436F-981D-EDB18B12A202}" srcOrd="0" destOrd="0" parTransId="{AD1F285C-69BF-451E-B006-417D80411636}" sibTransId="{651F2E78-A489-4673-AD79-F9875A34A9F7}"/>
-    <dgm:cxn modelId="{FF1FC4FB-BD54-4C5F-88D9-D4D63F6FC9EF}" type="presOf" srcId="{8471FF05-BA4C-459D-89D8-5A33C6C4B74D}" destId="{FF982F86-D2FF-49F0-8A66-25C3652F8577}" srcOrd="0" destOrd="0" presId="urn:microsoft.com/office/officeart/2005/8/layout/lProcess1"/>
-    <dgm:cxn modelId="{AD88B887-A64E-47B3-A0DB-19591743B30A}" type="presOf" srcId="{544589D0-79AD-420A-A89B-071F5FBA1E05}" destId="{BAD63677-68EC-45C6-BD94-3C6A7B3287D5}" srcOrd="0" destOrd="0" presId="urn:microsoft.com/office/officeart/2005/8/layout/lProcess1"/>
-    <dgm:cxn modelId="{4AEB0BA5-709A-4F9A-A51B-DC2A1E0ACFA5}" type="presOf" srcId="{10ABEF90-4FEC-4310-B31E-9E65089C8A98}" destId="{73FFF96E-4193-41FD-87E7-D97AEA7C58EC}" srcOrd="0" destOrd="0" presId="urn:microsoft.com/office/officeart/2005/8/layout/lProcess1"/>
-    <dgm:cxn modelId="{8F46BD8E-BBB5-4C98-9ED6-FEE346F3A026}" type="presOf" srcId="{9D12A534-16C6-426A-9A08-CACB86DC6F0E}" destId="{8400F283-A4B6-4CF7-9A8B-35DC0A8974E3}" srcOrd="0" destOrd="0" presId="urn:microsoft.com/office/officeart/2005/8/layout/lProcess1"/>
-    <dgm:cxn modelId="{52AF82F9-B5B7-4D9C-9E7D-582050CB369B}" type="presOf" srcId="{81FC1077-54C0-4DDB-B37D-8AC85E475C18}" destId="{F115B8E4-1FA8-461B-839C-B35441FF496F}" srcOrd="0" destOrd="0" presId="urn:microsoft.com/office/officeart/2005/8/layout/lProcess1"/>
-    <dgm:cxn modelId="{A2A4A0D0-E85F-477A-880B-C60C80E02074}" type="presOf" srcId="{0E4F7DA9-5220-44E9-9ECC-F6603ECDBFC8}" destId="{CD2147E2-DC8D-48D2-9675-F31B7845FF4E}" srcOrd="0" destOrd="0" presId="urn:microsoft.com/office/officeart/2005/8/layout/lProcess1"/>
-    <dgm:cxn modelId="{ABCA9405-C9CF-4C77-8B21-1D92842C317D}" srcId="{544589D0-79AD-420A-A89B-071F5FBA1E05}" destId="{0E4F7DA9-5220-44E9-9ECC-F6603ECDBFC8}" srcOrd="3" destOrd="0" parTransId="{1F3D6621-5E3E-4C8E-81B6-E847C78109E7}" sibTransId="{C8E00B35-9735-43AB-86D7-ECE7F3F5818E}"/>
-    <dgm:cxn modelId="{8E8109F3-0E50-4457-902D-A7D4319B6EE3}" srcId="{0E4F7DA9-5220-44E9-9ECC-F6603ECDBFC8}" destId="{939FA8CF-91E9-40E6-BCD9-87C4830AABD4}" srcOrd="0" destOrd="0" parTransId="{BDE16554-00B3-4339-A0D4-D4A723212E20}" sibTransId="{1AD2D952-171B-411D-9226-3720798204A3}"/>
-    <dgm:cxn modelId="{20B09039-DAE2-46B4-B0B8-82B3146C6683}" srcId="{544589D0-79AD-420A-A89B-071F5FBA1E05}" destId="{D02528FC-A284-42D1-B70A-03CAC89CF150}" srcOrd="2" destOrd="0" parTransId="{66C27EE3-AA48-471B-86F3-4B11C6B53CED}" sibTransId="{02D7B1C0-0F9C-41EC-992A-0F044F8A0DEC}"/>
-    <dgm:cxn modelId="{14634BC2-62C0-42C1-AD0F-0E0F4BA8676E}" type="presOf" srcId="{4D55FB25-3E3F-49EC-9871-7AE04F4EFE93}" destId="{92D87B5C-7B00-4219-B6E2-DDA880E4D715}" srcOrd="0" destOrd="0" presId="urn:microsoft.com/office/officeart/2005/8/layout/lProcess1"/>
     <dgm:cxn modelId="{B11B276A-D8F2-4460-878A-758CA64C7B8A}" type="presParOf" srcId="{BAD63677-68EC-45C6-BD94-3C6A7B3287D5}" destId="{563A7CAD-D840-44E6-BDCC-1D54404D21CD}" srcOrd="0" destOrd="0" presId="urn:microsoft.com/office/officeart/2005/8/layout/lProcess1"/>
     <dgm:cxn modelId="{0A6BB69C-5E93-459B-A8C2-387A8E216E77}" type="presParOf" srcId="{563A7CAD-D840-44E6-BDCC-1D54404D21CD}" destId="{78B729F4-1371-4419-AA09-BA63795941F6}" srcOrd="0" destOrd="0" presId="urn:microsoft.com/office/officeart/2005/8/layout/lProcess1"/>
     <dgm:cxn modelId="{C384869A-9445-47EF-A562-D0129CDA53E3}" type="presParOf" srcId="{563A7CAD-D840-44E6-BDCC-1D54404D21CD}" destId="{E793EE05-9110-498A-B035-F32B1AF963A5}" srcOrd="1" destOrd="0" presId="urn:microsoft.com/office/officeart/2005/8/layout/lProcess1"/>
@@ -7542,7 +7717,7 @@
           <a:p>
             <a:fld id="{FE5B4EDC-59C0-49C7-8ADA-5A781B329E02}" type="datetimeFigureOut">
               <a:rPr lang="ru-RU"/>
-              <a:t>15.10.2013</a:t>
+              <a:t>18.10.2013</a:t>
             </a:fld>
             <a:endParaRPr/>
           </a:p>
@@ -7707,7 +7882,7 @@
           <a:p>
             <a:fld id="{F2D8D46A-B586-417D-BFBD-8C8FE0AAF762}" type="datetimeFigureOut">
               <a:rPr lang="ru-RU"/>
-              <a:t>15.10.2013</a:t>
+              <a:t>18.10.2013</a:t>
             </a:fld>
             <a:endParaRPr/>
           </a:p>
@@ -8730,7 +8905,7 @@
           <a:p>
             <a:fld id="{F0DFD029-FB74-4578-B929-F66AA97659CA}" type="datetimeFigureOut">
               <a:rPr lang="ru-RU" noProof="0" smtClean="0"/>
-              <a:t>15.10.2013</a:t>
+              <a:t>18.10.2013</a:t>
             </a:fld>
             <a:endParaRPr lang="ru-RU" noProof="0" dirty="0"/>
           </a:p>
@@ -8935,7 +9110,7 @@
           <a:p>
             <a:fld id="{F0DFD029-FB74-4578-B929-F66AA97659CA}" type="datetimeFigureOut">
               <a:rPr lang="ru-RU" noProof="0" smtClean="0"/>
-              <a:t>15.10.2013</a:t>
+              <a:t>18.10.2013</a:t>
             </a:fld>
             <a:endParaRPr lang="ru-RU" noProof="0" dirty="0"/>
           </a:p>
@@ -9150,7 +9325,7 @@
           <a:p>
             <a:fld id="{F0DFD029-FB74-4578-B929-F66AA97659CA}" type="datetimeFigureOut">
               <a:rPr lang="ru-RU" noProof="0" smtClean="0"/>
-              <a:t>15.10.2013</a:t>
+              <a:t>18.10.2013</a:t>
             </a:fld>
             <a:endParaRPr lang="ru-RU" noProof="0" dirty="0"/>
           </a:p>
@@ -9355,7 +9530,7 @@
           <a:p>
             <a:fld id="{F0DFD029-FB74-4578-B929-F66AA97659CA}" type="datetimeFigureOut">
               <a:rPr lang="ru-RU" noProof="0" smtClean="0"/>
-              <a:t>15.10.2013</a:t>
+              <a:t>18.10.2013</a:t>
             </a:fld>
             <a:endParaRPr lang="ru-RU" noProof="0" dirty="0"/>
           </a:p>
@@ -9625,7 +9800,7 @@
           <a:p>
             <a:fld id="{F0DFD029-FB74-4578-B929-F66AA97659CA}" type="datetimeFigureOut">
               <a:rPr lang="ru-RU" noProof="0" smtClean="0"/>
-              <a:t>15.10.2013</a:t>
+              <a:t>18.10.2013</a:t>
             </a:fld>
             <a:endParaRPr lang="ru-RU" noProof="0" dirty="0"/>
           </a:p>
@@ -10110,7 +10285,7 @@
           <a:p>
             <a:fld id="{F0DFD029-FB74-4578-B929-F66AA97659CA}" type="datetimeFigureOut">
               <a:rPr lang="ru-RU" noProof="0" smtClean="0"/>
-              <a:t>15.10.2013</a:t>
+              <a:t>18.10.2013</a:t>
             </a:fld>
             <a:endParaRPr lang="ru-RU" noProof="0" dirty="0"/>
           </a:p>
@@ -10578,7 +10753,7 @@
           <a:p>
             <a:fld id="{F0DFD029-FB74-4578-B929-F66AA97659CA}" type="datetimeFigureOut">
               <a:rPr lang="ru-RU" noProof="0" smtClean="0"/>
-              <a:t>15.10.2013</a:t>
+              <a:t>18.10.2013</a:t>
             </a:fld>
             <a:endParaRPr lang="ru-RU" noProof="0" dirty="0"/>
           </a:p>
@@ -10715,7 +10890,7 @@
           <a:p>
             <a:fld id="{F0DFD029-FB74-4578-B929-F66AA97659CA}" type="datetimeFigureOut">
               <a:rPr lang="ru-RU" noProof="0" smtClean="0"/>
-              <a:t>15.10.2013</a:t>
+              <a:t>18.10.2013</a:t>
             </a:fld>
             <a:endParaRPr lang="ru-RU" noProof="0" dirty="0"/>
           </a:p>
@@ -10829,7 +11004,7 @@
           <a:p>
             <a:fld id="{F0DFD029-FB74-4578-B929-F66AA97659CA}" type="datetimeFigureOut">
               <a:rPr lang="ru-RU" noProof="0" smtClean="0"/>
-              <a:t>15.10.2013</a:t>
+              <a:t>18.10.2013</a:t>
             </a:fld>
             <a:endParaRPr lang="ru-RU" noProof="0" dirty="0"/>
           </a:p>
@@ -11135,7 +11310,7 @@
           <a:p>
             <a:fld id="{F0DFD029-FB74-4578-B929-F66AA97659CA}" type="datetimeFigureOut">
               <a:rPr lang="ru-RU" noProof="0" smtClean="0"/>
-              <a:t>15.10.2013</a:t>
+              <a:t>18.10.2013</a:t>
             </a:fld>
             <a:endParaRPr lang="ru-RU" noProof="0" dirty="0"/>
           </a:p>
@@ -11430,7 +11605,7 @@
           <a:p>
             <a:fld id="{F0DFD029-FB74-4578-B929-F66AA97659CA}" type="datetimeFigureOut">
               <a:rPr lang="ru-RU" noProof="0" smtClean="0"/>
-              <a:t>15.10.2013</a:t>
+              <a:t>18.10.2013</a:t>
             </a:fld>
             <a:endParaRPr lang="ru-RU" noProof="0" dirty="0"/>
           </a:p>
@@ -12060,7 +12235,7 @@
             <a:fld id="{F0DFD029-FB74-4578-B929-F66AA97659CA}" type="datetimeFigureOut">
               <a:rPr lang="ru-RU" noProof="0" smtClean="0"/>
               <a:pPr/>
-              <a:t>15.10.2013</a:t>
+              <a:t>18.10.2013</a:t>
             </a:fld>
             <a:endParaRPr lang="ru-RU" noProof="0" dirty="0"/>
           </a:p>
@@ -12727,13 +12902,13 @@
   <p:clrMapOvr>
     <a:masterClrMapping/>
   </p:clrMapOvr>
-  <mc:AlternateContent xmlns:mc="http://schemas.openxmlformats.org/markup-compatibility/2006">
-    <mc:Choice xmlns:p14="http://schemas.microsoft.com/office/powerpoint/2010/main" Requires="p14">
+  <mc:AlternateContent xmlns:mc="http://schemas.openxmlformats.org/markup-compatibility/2006" xmlns:p14="http://schemas.microsoft.com/office/powerpoint/2010/main">
+    <mc:Choice Requires="p14">
       <p:transition spd="med" p14:dur="700">
         <p:fade/>
       </p:transition>
     </mc:Choice>
-    <mc:Fallback>
+    <mc:Fallback xmlns="">
       <p:transition spd="med">
         <p:fade/>
       </p:transition>
@@ -12794,7 +12969,9 @@
         </p:nvSpPr>
         <p:spPr/>
         <p:txBody>
-          <a:bodyPr/>
+          <a:bodyPr>
+            <a:normAutofit fontScale="92500" lnSpcReduction="10000"/>
+          </a:bodyPr>
           <a:lstStyle/>
           <a:p>
             <a:r>
@@ -12904,6 +13081,25 @@
             <a:r>
               <a:rPr lang="en-US" dirty="0" err="1" smtClean="0"/>
               <a:t>Embeeded</a:t>
+            </a:r>
+            <a:endParaRPr lang="en-US" dirty="0" smtClean="0"/>
+          </a:p>
+          <a:p>
+            <a:r>
+              <a:rPr lang="en-US" dirty="0" err="1" smtClean="0"/>
+              <a:t>Zen.Core.Mongo</a:t>
+            </a:r>
+            <a:r>
+              <a:rPr lang="en-US" dirty="0" smtClean="0"/>
+              <a:t> – </a:t>
+            </a:r>
+            <a:r>
+              <a:rPr lang="ru-RU" dirty="0" smtClean="0"/>
+              <a:t>Модули хранения данных в </a:t>
+            </a:r>
+            <a:r>
+              <a:rPr lang="en-US" smtClean="0"/>
+              <a:t>Mongo DB</a:t>
             </a:r>
             <a:endParaRPr lang="ru-RU" dirty="0"/>
           </a:p>
@@ -12919,13 +13115,13 @@
   <p:clrMapOvr>
     <a:masterClrMapping/>
   </p:clrMapOvr>
-  <mc:AlternateContent xmlns:mc="http://schemas.openxmlformats.org/markup-compatibility/2006">
-    <mc:Choice xmlns:p14="http://schemas.microsoft.com/office/powerpoint/2010/main" Requires="p14">
+  <mc:AlternateContent xmlns:mc="http://schemas.openxmlformats.org/markup-compatibility/2006" xmlns:p14="http://schemas.microsoft.com/office/powerpoint/2010/main">
+    <mc:Choice Requires="p14">
       <p:transition spd="med" p14:dur="700">
         <p:fade/>
       </p:transition>
     </mc:Choice>
-    <mc:Fallback>
+    <mc:Fallback xmlns="">
       <p:transition spd="med">
         <p:fade/>
       </p:transition>
@@ -13108,13 +13304,13 @@
   <p:clrMapOvr>
     <a:masterClrMapping/>
   </p:clrMapOvr>
-  <mc:AlternateContent xmlns:mc="http://schemas.openxmlformats.org/markup-compatibility/2006">
-    <mc:Choice xmlns:p14="http://schemas.microsoft.com/office/powerpoint/2010/main" Requires="p14">
+  <mc:AlternateContent xmlns:mc="http://schemas.openxmlformats.org/markup-compatibility/2006" xmlns:p14="http://schemas.microsoft.com/office/powerpoint/2010/main">
+    <mc:Choice Requires="p14">
       <p:transition spd="med" p14:dur="700">
         <p:fade/>
       </p:transition>
     </mc:Choice>
-    <mc:Fallback>
+    <mc:Fallback xmlns="">
       <p:transition spd="med">
         <p:fade/>
       </p:transition>
@@ -13280,13 +13476,13 @@
   <p:clrMapOvr>
     <a:masterClrMapping/>
   </p:clrMapOvr>
-  <mc:AlternateContent xmlns:mc="http://schemas.openxmlformats.org/markup-compatibility/2006">
-    <mc:Choice xmlns:p14="http://schemas.microsoft.com/office/powerpoint/2010/main" Requires="p14">
+  <mc:AlternateContent xmlns:mc="http://schemas.openxmlformats.org/markup-compatibility/2006" xmlns:p14="http://schemas.microsoft.com/office/powerpoint/2010/main">
+    <mc:Choice Requires="p14">
       <p:transition spd="med" p14:dur="700">
         <p:fade/>
       </p:transition>
     </mc:Choice>
-    <mc:Fallback>
+    <mc:Fallback xmlns="">
       <p:transition spd="med">
         <p:fade/>
       </p:transition>
@@ -13394,13 +13590,13 @@
   <p:clrMapOvr>
     <a:masterClrMapping/>
   </p:clrMapOvr>
-  <mc:AlternateContent xmlns:mc="http://schemas.openxmlformats.org/markup-compatibility/2006">
-    <mc:Choice xmlns:p14="http://schemas.microsoft.com/office/powerpoint/2010/main" Requires="p14">
+  <mc:AlternateContent xmlns:mc="http://schemas.openxmlformats.org/markup-compatibility/2006" xmlns:p14="http://schemas.microsoft.com/office/powerpoint/2010/main">
+    <mc:Choice Requires="p14">
       <p:transition spd="med" p14:dur="700">
         <p:fade/>
       </p:transition>
     </mc:Choice>
-    <mc:Fallback>
+    <mc:Fallback xmlns="">
       <p:transition spd="med">
         <p:fade/>
       </p:transition>
@@ -13504,13 +13700,13 @@
   <p:clrMapOvr>
     <a:masterClrMapping/>
   </p:clrMapOvr>
-  <mc:AlternateContent xmlns:mc="http://schemas.openxmlformats.org/markup-compatibility/2006">
-    <mc:Choice xmlns:p14="http://schemas.microsoft.com/office/powerpoint/2010/main" Requires="p14">
+  <mc:AlternateContent xmlns:mc="http://schemas.openxmlformats.org/markup-compatibility/2006" xmlns:p14="http://schemas.microsoft.com/office/powerpoint/2010/main">
+    <mc:Choice Requires="p14">
       <p:transition spd="med" p14:dur="700">
         <p:fade/>
       </p:transition>
     </mc:Choice>
-    <mc:Fallback>
+    <mc:Fallback xmlns="">
       <p:transition spd="med">
         <p:fade/>
       </p:transition>
@@ -14972,13 +15168,13 @@
   <p:clrMapOvr>
     <a:masterClrMapping/>
   </p:clrMapOvr>
-  <mc:AlternateContent xmlns:mc="http://schemas.openxmlformats.org/markup-compatibility/2006">
-    <mc:Choice xmlns:p14="http://schemas.microsoft.com/office/powerpoint/2010/main" Requires="p14">
+  <mc:AlternateContent xmlns:mc="http://schemas.openxmlformats.org/markup-compatibility/2006" xmlns:p14="http://schemas.microsoft.com/office/powerpoint/2010/main">
+    <mc:Choice Requires="p14">
       <p:transition spd="med" p14:dur="700">
         <p:fade/>
       </p:transition>
     </mc:Choice>
-    <mc:Fallback>
+    <mc:Fallback xmlns="">
       <p:transition spd="med">
         <p:fade/>
       </p:transition>
@@ -15147,13 +15343,13 @@
   <p:clrMapOvr>
     <a:masterClrMapping/>
   </p:clrMapOvr>
-  <mc:AlternateContent xmlns:mc="http://schemas.openxmlformats.org/markup-compatibility/2006">
-    <mc:Choice xmlns:p14="http://schemas.microsoft.com/office/powerpoint/2010/main" Requires="p14">
+  <mc:AlternateContent xmlns:mc="http://schemas.openxmlformats.org/markup-compatibility/2006" xmlns:p14="http://schemas.microsoft.com/office/powerpoint/2010/main">
+    <mc:Choice Requires="p14">
       <p:transition spd="med" p14:dur="700">
         <p:fade/>
       </p:transition>
     </mc:Choice>
-    <mc:Fallback>
+    <mc:Fallback xmlns="">
       <p:transition spd="med">
         <p:fade/>
       </p:transition>

--- a/docs/ZenCore.pptx
+++ b/docs/ZenCore.pptx
@@ -2942,36 +2942,36 @@
     </dgm:pt>
   </dgm:ptLst>
   <dgm:cxnLst>
+    <dgm:cxn modelId="{197BC593-2C01-4552-9D0A-824792032C6E}" srcId="{3E8046C7-59A7-436F-981D-EDB18B12A202}" destId="{56D58DE1-8E3C-4D14-9A48-F373A4E96FA4}" srcOrd="0" destOrd="0" parTransId="{837B01C2-F9DB-4876-A66D-ABEA8621734B}" sibTransId="{834FD7F7-B1E4-4BDD-BEE4-E53E20F5565C}"/>
+    <dgm:cxn modelId="{4458E169-14DC-47FD-BF2E-B3F688D7805E}" type="presOf" srcId="{247A3781-2AC2-4C78-958E-14DCAD5B6D2F}" destId="{8529474A-18FD-4648-9A66-EBCE03A5AF05}" srcOrd="0" destOrd="0" presId="urn:microsoft.com/office/officeart/2005/8/layout/lProcess1"/>
+    <dgm:cxn modelId="{182384D8-88B5-4096-9E68-6FC44F25D651}" type="presOf" srcId="{D02528FC-A284-42D1-B70A-03CAC89CF150}" destId="{6E9CB082-0229-490A-B715-0412743FA94B}" srcOrd="0" destOrd="0" presId="urn:microsoft.com/office/officeart/2005/8/layout/lProcess1"/>
+    <dgm:cxn modelId="{A2A4A0D0-E85F-477A-880B-C60C80E02074}" type="presOf" srcId="{0E4F7DA9-5220-44E9-9ECC-F6603ECDBFC8}" destId="{CD2147E2-DC8D-48D2-9675-F31B7845FF4E}" srcOrd="0" destOrd="0" presId="urn:microsoft.com/office/officeart/2005/8/layout/lProcess1"/>
+    <dgm:cxn modelId="{F61FA540-053D-498D-B460-8AA1FF812F99}" type="presOf" srcId="{3E8046C7-59A7-436F-981D-EDB18B12A202}" destId="{78B729F4-1371-4419-AA09-BA63795941F6}" srcOrd="0" destOrd="0" presId="urn:microsoft.com/office/officeart/2005/8/layout/lProcess1"/>
+    <dgm:cxn modelId="{889D3678-31C0-4AF1-8AF7-FA606A773444}" srcId="{544589D0-79AD-420A-A89B-071F5FBA1E05}" destId="{8471FF05-BA4C-459D-89D8-5A33C6C4B74D}" srcOrd="1" destOrd="0" parTransId="{2AC12CFF-4C8C-45D0-8B1F-E9115C7A3524}" sibTransId="{0EE35FF4-B74E-4230-963A-C614F4B2A9A1}"/>
+    <dgm:cxn modelId="{82B71640-8517-4D58-9C85-7C060C149387}" type="presOf" srcId="{4DCB2302-FF97-46AC-B306-13A89B1BEF07}" destId="{2BAD7BAC-92DB-44AF-9AF4-2AB3A7A0C5D3}" srcOrd="0" destOrd="0" presId="urn:microsoft.com/office/officeart/2005/8/layout/lProcess1"/>
+    <dgm:cxn modelId="{7E0716B9-18FE-4A24-81FC-509D39D353CF}" type="presOf" srcId="{939FA8CF-91E9-40E6-BCD9-87C4830AABD4}" destId="{FF21E113-E64D-4814-9742-5B7ACF00309B}" srcOrd="0" destOrd="0" presId="urn:microsoft.com/office/officeart/2005/8/layout/lProcess1"/>
+    <dgm:cxn modelId="{8F46BD8E-BBB5-4C98-9ED6-FEE346F3A026}" type="presOf" srcId="{9D12A534-16C6-426A-9A08-CACB86DC6F0E}" destId="{8400F283-A4B6-4CF7-9A8B-35DC0A8974E3}" srcOrd="0" destOrd="0" presId="urn:microsoft.com/office/officeart/2005/8/layout/lProcess1"/>
+    <dgm:cxn modelId="{C18ED380-1A39-4076-9BEA-567B3C8EF6DB}" srcId="{3E8046C7-59A7-436F-981D-EDB18B12A202}" destId="{81FC1077-54C0-4DDB-B37D-8AC85E475C18}" srcOrd="2" destOrd="0" parTransId="{A71496E4-5218-40F7-A21B-CB5EC1B9DFAC}" sibTransId="{EDFBAE55-7876-464E-A152-E1100D06C362}"/>
+    <dgm:cxn modelId="{C2E78AF6-9BE0-4A06-9C2A-B8A7658E5B35}" type="presOf" srcId="{6A1A644F-5097-4104-B5B5-F88E919A7EEE}" destId="{18626949-A8B9-4707-A3FE-D0439AA3BB29}" srcOrd="0" destOrd="0" presId="urn:microsoft.com/office/officeart/2005/8/layout/lProcess1"/>
+    <dgm:cxn modelId="{0786A0D6-8E16-4101-A34E-17BFE40E1167}" type="presOf" srcId="{56D58DE1-8E3C-4D14-9A48-F373A4E96FA4}" destId="{25B63565-BC56-4001-AFC0-A811B8E36DD8}" srcOrd="0" destOrd="0" presId="urn:microsoft.com/office/officeart/2005/8/layout/lProcess1"/>
+    <dgm:cxn modelId="{8E8109F3-0E50-4457-902D-A7D4319B6EE3}" srcId="{0E4F7DA9-5220-44E9-9ECC-F6603ECDBFC8}" destId="{939FA8CF-91E9-40E6-BCD9-87C4830AABD4}" srcOrd="0" destOrd="0" parTransId="{BDE16554-00B3-4339-A0D4-D4A723212E20}" sibTransId="{1AD2D952-171B-411D-9226-3720798204A3}"/>
+    <dgm:cxn modelId="{4AEB0BA5-709A-4F9A-A51B-DC2A1E0ACFA5}" type="presOf" srcId="{10ABEF90-4FEC-4310-B31E-9E65089C8A98}" destId="{73FFF96E-4193-41FD-87E7-D97AEA7C58EC}" srcOrd="0" destOrd="0" presId="urn:microsoft.com/office/officeart/2005/8/layout/lProcess1"/>
+    <dgm:cxn modelId="{AD88B887-A64E-47B3-A0DB-19591743B30A}" type="presOf" srcId="{544589D0-79AD-420A-A89B-071F5FBA1E05}" destId="{BAD63677-68EC-45C6-BD94-3C6A7B3287D5}" srcOrd="0" destOrd="0" presId="urn:microsoft.com/office/officeart/2005/8/layout/lProcess1"/>
+    <dgm:cxn modelId="{B1AA2F0D-4518-45BD-A1E0-5943FE6C845D}" srcId="{8471FF05-BA4C-459D-89D8-5A33C6C4B74D}" destId="{4DCB2302-FF97-46AC-B306-13A89B1BEF07}" srcOrd="0" destOrd="0" parTransId="{10ABEF90-4FEC-4310-B31E-9E65089C8A98}" sibTransId="{50988FC4-9461-40F6-84A4-0CC453A269C0}"/>
+    <dgm:cxn modelId="{14926E19-2ABE-4675-B2EB-D4BE110A28AF}" srcId="{D02528FC-A284-42D1-B70A-03CAC89CF150}" destId="{9D12A534-16C6-426A-9A08-CACB86DC6F0E}" srcOrd="0" destOrd="0" parTransId="{4D55FB25-3E3F-49EC-9871-7AE04F4EFE93}" sibTransId="{6A1A644F-5097-4104-B5B5-F88E919A7EEE}"/>
+    <dgm:cxn modelId="{596E432A-F7CF-45C5-B9CB-651C2BF5B361}" type="presOf" srcId="{B571659A-1767-47F2-8C7C-1035AC476B11}" destId="{CD6B50A7-36CB-41B7-B3AB-1EA34CE06A66}" srcOrd="0" destOrd="0" presId="urn:microsoft.com/office/officeart/2005/8/layout/lProcess1"/>
+    <dgm:cxn modelId="{E0F699F7-A11D-4055-9474-912AFEB0263E}" srcId="{544589D0-79AD-420A-A89B-071F5FBA1E05}" destId="{3E8046C7-59A7-436F-981D-EDB18B12A202}" srcOrd="0" destOrd="0" parTransId="{AD1F285C-69BF-451E-B006-417D80411636}" sibTransId="{651F2E78-A489-4673-AD79-F9875A34A9F7}"/>
+    <dgm:cxn modelId="{20B09039-DAE2-46B4-B0B8-82B3146C6683}" srcId="{544589D0-79AD-420A-A89B-071F5FBA1E05}" destId="{D02528FC-A284-42D1-B70A-03CAC89CF150}" srcOrd="2" destOrd="0" parTransId="{66C27EE3-AA48-471B-86F3-4B11C6B53CED}" sibTransId="{02D7B1C0-0F9C-41EC-992A-0F044F8A0DEC}"/>
+    <dgm:cxn modelId="{52AF82F9-B5B7-4D9C-9E7D-582050CB369B}" type="presOf" srcId="{81FC1077-54C0-4DDB-B37D-8AC85E475C18}" destId="{F115B8E4-1FA8-461B-839C-B35441FF496F}" srcOrd="0" destOrd="0" presId="urn:microsoft.com/office/officeart/2005/8/layout/lProcess1"/>
     <dgm:cxn modelId="{854AFA67-93B7-45A1-9311-4291368E1310}" srcId="{3E8046C7-59A7-436F-981D-EDB18B12A202}" destId="{B571659A-1767-47F2-8C7C-1035AC476B11}" srcOrd="1" destOrd="0" parTransId="{9D37CCA6-E625-4C8A-B9DF-C54F1CB07415}" sibTransId="{247A3781-2AC2-4C78-958E-14DCAD5B6D2F}"/>
-    <dgm:cxn modelId="{C18ED380-1A39-4076-9BEA-567B3C8EF6DB}" srcId="{3E8046C7-59A7-436F-981D-EDB18B12A202}" destId="{81FC1077-54C0-4DDB-B37D-8AC85E475C18}" srcOrd="2" destOrd="0" parTransId="{A71496E4-5218-40F7-A21B-CB5EC1B9DFAC}" sibTransId="{EDFBAE55-7876-464E-A152-E1100D06C362}"/>
-    <dgm:cxn modelId="{182384D8-88B5-4096-9E68-6FC44F25D651}" type="presOf" srcId="{D02528FC-A284-42D1-B70A-03CAC89CF150}" destId="{6E9CB082-0229-490A-B715-0412743FA94B}" srcOrd="0" destOrd="0" presId="urn:microsoft.com/office/officeart/2005/8/layout/lProcess1"/>
+    <dgm:cxn modelId="{E5040255-F0D3-4501-8141-5C01B6A19C73}" type="presOf" srcId="{834FD7F7-B1E4-4BDD-BEE4-E53E20F5565C}" destId="{277967B0-6EDA-4C07-9068-D6203311B00D}" srcOrd="0" destOrd="0" presId="urn:microsoft.com/office/officeart/2005/8/layout/lProcess1"/>
     <dgm:cxn modelId="{1969A1A3-A26F-48B0-9A67-B17327A846B3}" type="presOf" srcId="{BDE16554-00B3-4339-A0D4-D4A723212E20}" destId="{B1E8574C-88B9-42FE-A7BF-613049B010B4}" srcOrd="0" destOrd="0" presId="urn:microsoft.com/office/officeart/2005/8/layout/lProcess1"/>
-    <dgm:cxn modelId="{E5040255-F0D3-4501-8141-5C01B6A19C73}" type="presOf" srcId="{834FD7F7-B1E4-4BDD-BEE4-E53E20F5565C}" destId="{277967B0-6EDA-4C07-9068-D6203311B00D}" srcOrd="0" destOrd="0" presId="urn:microsoft.com/office/officeart/2005/8/layout/lProcess1"/>
-    <dgm:cxn modelId="{0786A0D6-8E16-4101-A34E-17BFE40E1167}" type="presOf" srcId="{56D58DE1-8E3C-4D14-9A48-F373A4E96FA4}" destId="{25B63565-BC56-4001-AFC0-A811B8E36DD8}" srcOrd="0" destOrd="0" presId="urn:microsoft.com/office/officeart/2005/8/layout/lProcess1"/>
-    <dgm:cxn modelId="{7E0716B9-18FE-4A24-81FC-509D39D353CF}" type="presOf" srcId="{939FA8CF-91E9-40E6-BCD9-87C4830AABD4}" destId="{FF21E113-E64D-4814-9742-5B7ACF00309B}" srcOrd="0" destOrd="0" presId="urn:microsoft.com/office/officeart/2005/8/layout/lProcess1"/>
-    <dgm:cxn modelId="{82B71640-8517-4D58-9C85-7C060C149387}" type="presOf" srcId="{4DCB2302-FF97-46AC-B306-13A89B1BEF07}" destId="{2BAD7BAC-92DB-44AF-9AF4-2AB3A7A0C5D3}" srcOrd="0" destOrd="0" presId="urn:microsoft.com/office/officeart/2005/8/layout/lProcess1"/>
     <dgm:cxn modelId="{14634BC2-62C0-42C1-AD0F-0E0F4BA8676E}" type="presOf" srcId="{4D55FB25-3E3F-49EC-9871-7AE04F4EFE93}" destId="{92D87B5C-7B00-4219-B6E2-DDA880E4D715}" srcOrd="0" destOrd="0" presId="urn:microsoft.com/office/officeart/2005/8/layout/lProcess1"/>
-    <dgm:cxn modelId="{E0F699F7-A11D-4055-9474-912AFEB0263E}" srcId="{544589D0-79AD-420A-A89B-071F5FBA1E05}" destId="{3E8046C7-59A7-436F-981D-EDB18B12A202}" srcOrd="0" destOrd="0" parTransId="{AD1F285C-69BF-451E-B006-417D80411636}" sibTransId="{651F2E78-A489-4673-AD79-F9875A34A9F7}"/>
+    <dgm:cxn modelId="{FF1FC4FB-BD54-4C5F-88D9-D4D63F6FC9EF}" type="presOf" srcId="{8471FF05-BA4C-459D-89D8-5A33C6C4B74D}" destId="{FF982F86-D2FF-49F0-8A66-25C3652F8577}" srcOrd="0" destOrd="0" presId="urn:microsoft.com/office/officeart/2005/8/layout/lProcess1"/>
+    <dgm:cxn modelId="{6C88B2DF-C34E-4B83-BE67-D20E26F3D67C}" type="presOf" srcId="{5E034D5A-9660-4FA4-B37E-25CFFBEF7EBC}" destId="{07BE5471-A2C4-4757-B87E-1F52D1729F79}" srcOrd="0" destOrd="0" presId="urn:microsoft.com/office/officeart/2005/8/layout/lProcess1"/>
+    <dgm:cxn modelId="{ABCA9405-C9CF-4C77-8B21-1D92842C317D}" srcId="{544589D0-79AD-420A-A89B-071F5FBA1E05}" destId="{0E4F7DA9-5220-44E9-9ECC-F6603ECDBFC8}" srcOrd="3" destOrd="0" parTransId="{1F3D6621-5E3E-4C8E-81B6-E847C78109E7}" sibTransId="{C8E00B35-9735-43AB-86D7-ECE7F3F5818E}"/>
     <dgm:cxn modelId="{B4F84030-D1FE-4C89-A0EC-7C0D709A4CF6}" type="presOf" srcId="{837B01C2-F9DB-4876-A66D-ABEA8621734B}" destId="{E793EE05-9110-498A-B035-F32B1AF963A5}" srcOrd="0" destOrd="0" presId="urn:microsoft.com/office/officeart/2005/8/layout/lProcess1"/>
-    <dgm:cxn modelId="{14926E19-2ABE-4675-B2EB-D4BE110A28AF}" srcId="{D02528FC-A284-42D1-B70A-03CAC89CF150}" destId="{9D12A534-16C6-426A-9A08-CACB86DC6F0E}" srcOrd="0" destOrd="0" parTransId="{4D55FB25-3E3F-49EC-9871-7AE04F4EFE93}" sibTransId="{6A1A644F-5097-4104-B5B5-F88E919A7EEE}"/>
-    <dgm:cxn modelId="{ABCA9405-C9CF-4C77-8B21-1D92842C317D}" srcId="{544589D0-79AD-420A-A89B-071F5FBA1E05}" destId="{0E4F7DA9-5220-44E9-9ECC-F6603ECDBFC8}" srcOrd="3" destOrd="0" parTransId="{1F3D6621-5E3E-4C8E-81B6-E847C78109E7}" sibTransId="{C8E00B35-9735-43AB-86D7-ECE7F3F5818E}"/>
-    <dgm:cxn modelId="{4AEB0BA5-709A-4F9A-A51B-DC2A1E0ACFA5}" type="presOf" srcId="{10ABEF90-4FEC-4310-B31E-9E65089C8A98}" destId="{73FFF96E-4193-41FD-87E7-D97AEA7C58EC}" srcOrd="0" destOrd="0" presId="urn:microsoft.com/office/officeart/2005/8/layout/lProcess1"/>
-    <dgm:cxn modelId="{C2E78AF6-9BE0-4A06-9C2A-B8A7658E5B35}" type="presOf" srcId="{6A1A644F-5097-4104-B5B5-F88E919A7EEE}" destId="{18626949-A8B9-4707-A3FE-D0439AA3BB29}" srcOrd="0" destOrd="0" presId="urn:microsoft.com/office/officeart/2005/8/layout/lProcess1"/>
-    <dgm:cxn modelId="{4458E169-14DC-47FD-BF2E-B3F688D7805E}" type="presOf" srcId="{247A3781-2AC2-4C78-958E-14DCAD5B6D2F}" destId="{8529474A-18FD-4648-9A66-EBCE03A5AF05}" srcOrd="0" destOrd="0" presId="urn:microsoft.com/office/officeart/2005/8/layout/lProcess1"/>
-    <dgm:cxn modelId="{596E432A-F7CF-45C5-B9CB-651C2BF5B361}" type="presOf" srcId="{B571659A-1767-47F2-8C7C-1035AC476B11}" destId="{CD6B50A7-36CB-41B7-B3AB-1EA34CE06A66}" srcOrd="0" destOrd="0" presId="urn:microsoft.com/office/officeart/2005/8/layout/lProcess1"/>
-    <dgm:cxn modelId="{8E8109F3-0E50-4457-902D-A7D4319B6EE3}" srcId="{0E4F7DA9-5220-44E9-9ECC-F6603ECDBFC8}" destId="{939FA8CF-91E9-40E6-BCD9-87C4830AABD4}" srcOrd="0" destOrd="0" parTransId="{BDE16554-00B3-4339-A0D4-D4A723212E20}" sibTransId="{1AD2D952-171B-411D-9226-3720798204A3}"/>
-    <dgm:cxn modelId="{F61FA540-053D-498D-B460-8AA1FF812F99}" type="presOf" srcId="{3E8046C7-59A7-436F-981D-EDB18B12A202}" destId="{78B729F4-1371-4419-AA09-BA63795941F6}" srcOrd="0" destOrd="0" presId="urn:microsoft.com/office/officeart/2005/8/layout/lProcess1"/>
-    <dgm:cxn modelId="{52AF82F9-B5B7-4D9C-9E7D-582050CB369B}" type="presOf" srcId="{81FC1077-54C0-4DDB-B37D-8AC85E475C18}" destId="{F115B8E4-1FA8-461B-839C-B35441FF496F}" srcOrd="0" destOrd="0" presId="urn:microsoft.com/office/officeart/2005/8/layout/lProcess1"/>
-    <dgm:cxn modelId="{AD88B887-A64E-47B3-A0DB-19591743B30A}" type="presOf" srcId="{544589D0-79AD-420A-A89B-071F5FBA1E05}" destId="{BAD63677-68EC-45C6-BD94-3C6A7B3287D5}" srcOrd="0" destOrd="0" presId="urn:microsoft.com/office/officeart/2005/8/layout/lProcess1"/>
-    <dgm:cxn modelId="{FF1FC4FB-BD54-4C5F-88D9-D4D63F6FC9EF}" type="presOf" srcId="{8471FF05-BA4C-459D-89D8-5A33C6C4B74D}" destId="{FF982F86-D2FF-49F0-8A66-25C3652F8577}" srcOrd="0" destOrd="0" presId="urn:microsoft.com/office/officeart/2005/8/layout/lProcess1"/>
-    <dgm:cxn modelId="{8F46BD8E-BBB5-4C98-9ED6-FEE346F3A026}" type="presOf" srcId="{9D12A534-16C6-426A-9A08-CACB86DC6F0E}" destId="{8400F283-A4B6-4CF7-9A8B-35DC0A8974E3}" srcOrd="0" destOrd="0" presId="urn:microsoft.com/office/officeart/2005/8/layout/lProcess1"/>
-    <dgm:cxn modelId="{A2A4A0D0-E85F-477A-880B-C60C80E02074}" type="presOf" srcId="{0E4F7DA9-5220-44E9-9ECC-F6603ECDBFC8}" destId="{CD2147E2-DC8D-48D2-9675-F31B7845FF4E}" srcOrd="0" destOrd="0" presId="urn:microsoft.com/office/officeart/2005/8/layout/lProcess1"/>
-    <dgm:cxn modelId="{889D3678-31C0-4AF1-8AF7-FA606A773444}" srcId="{544589D0-79AD-420A-A89B-071F5FBA1E05}" destId="{8471FF05-BA4C-459D-89D8-5A33C6C4B74D}" srcOrd="1" destOrd="0" parTransId="{2AC12CFF-4C8C-45D0-8B1F-E9115C7A3524}" sibTransId="{0EE35FF4-B74E-4230-963A-C614F4B2A9A1}"/>
     <dgm:cxn modelId="{32758691-3DB9-4ACA-B348-BDDB29F7D38E}" srcId="{D02528FC-A284-42D1-B70A-03CAC89CF150}" destId="{5E034D5A-9660-4FA4-B37E-25CFFBEF7EBC}" srcOrd="1" destOrd="0" parTransId="{38F2945D-69C4-457A-9FA8-30A085FDB2C1}" sibTransId="{806E0F55-07CE-4D3E-AA14-F61A4466DAAA}"/>
-    <dgm:cxn modelId="{197BC593-2C01-4552-9D0A-824792032C6E}" srcId="{3E8046C7-59A7-436F-981D-EDB18B12A202}" destId="{56D58DE1-8E3C-4D14-9A48-F373A4E96FA4}" srcOrd="0" destOrd="0" parTransId="{837B01C2-F9DB-4876-A66D-ABEA8621734B}" sibTransId="{834FD7F7-B1E4-4BDD-BEE4-E53E20F5565C}"/>
-    <dgm:cxn modelId="{20B09039-DAE2-46B4-B0B8-82B3146C6683}" srcId="{544589D0-79AD-420A-A89B-071F5FBA1E05}" destId="{D02528FC-A284-42D1-B70A-03CAC89CF150}" srcOrd="2" destOrd="0" parTransId="{66C27EE3-AA48-471B-86F3-4B11C6B53CED}" sibTransId="{02D7B1C0-0F9C-41EC-992A-0F044F8A0DEC}"/>
-    <dgm:cxn modelId="{B1AA2F0D-4518-45BD-A1E0-5943FE6C845D}" srcId="{8471FF05-BA4C-459D-89D8-5A33C6C4B74D}" destId="{4DCB2302-FF97-46AC-B306-13A89B1BEF07}" srcOrd="0" destOrd="0" parTransId="{10ABEF90-4FEC-4310-B31E-9E65089C8A98}" sibTransId="{50988FC4-9461-40F6-84A4-0CC453A269C0}"/>
-    <dgm:cxn modelId="{6C88B2DF-C34E-4B83-BE67-D20E26F3D67C}" type="presOf" srcId="{5E034D5A-9660-4FA4-B37E-25CFFBEF7EBC}" destId="{07BE5471-A2C4-4757-B87E-1F52D1729F79}" srcOrd="0" destOrd="0" presId="urn:microsoft.com/office/officeart/2005/8/layout/lProcess1"/>
     <dgm:cxn modelId="{B11B276A-D8F2-4460-878A-758CA64C7B8A}" type="presParOf" srcId="{BAD63677-68EC-45C6-BD94-3C6A7B3287D5}" destId="{563A7CAD-D840-44E6-BDCC-1D54404D21CD}" srcOrd="0" destOrd="0" presId="urn:microsoft.com/office/officeart/2005/8/layout/lProcess1"/>
     <dgm:cxn modelId="{0A6BB69C-5E93-459B-A8C2-387A8E216E77}" type="presParOf" srcId="{563A7CAD-D840-44E6-BDCC-1D54404D21CD}" destId="{78B729F4-1371-4419-AA09-BA63795941F6}" srcOrd="0" destOrd="0" presId="urn:microsoft.com/office/officeart/2005/8/layout/lProcess1"/>
     <dgm:cxn modelId="{C384869A-9445-47EF-A562-D0129CDA53E3}" type="presParOf" srcId="{563A7CAD-D840-44E6-BDCC-1D54404D21CD}" destId="{E793EE05-9110-498A-B035-F32B1AF963A5}" srcOrd="1" destOrd="0" presId="urn:microsoft.com/office/officeart/2005/8/layout/lProcess1"/>
@@ -7717,7 +7717,7 @@
           <a:p>
             <a:fld id="{FE5B4EDC-59C0-49C7-8ADA-5A781B329E02}" type="datetimeFigureOut">
               <a:rPr lang="ru-RU"/>
-              <a:t>18.10.2013</a:t>
+              <a:t>24.10.2013</a:t>
             </a:fld>
             <a:endParaRPr/>
           </a:p>
@@ -7882,7 +7882,7 @@
           <a:p>
             <a:fld id="{F2D8D46A-B586-417D-BFBD-8C8FE0AAF762}" type="datetimeFigureOut">
               <a:rPr lang="ru-RU"/>
-              <a:t>18.10.2013</a:t>
+              <a:t>24.10.2013</a:t>
             </a:fld>
             <a:endParaRPr/>
           </a:p>
@@ -8905,7 +8905,7 @@
           <a:p>
             <a:fld id="{F0DFD029-FB74-4578-B929-F66AA97659CA}" type="datetimeFigureOut">
               <a:rPr lang="ru-RU" noProof="0" smtClean="0"/>
-              <a:t>18.10.2013</a:t>
+              <a:t>24.10.2013</a:t>
             </a:fld>
             <a:endParaRPr lang="ru-RU" noProof="0" dirty="0"/>
           </a:p>
@@ -9110,7 +9110,7 @@
           <a:p>
             <a:fld id="{F0DFD029-FB74-4578-B929-F66AA97659CA}" type="datetimeFigureOut">
               <a:rPr lang="ru-RU" noProof="0" smtClean="0"/>
-              <a:t>18.10.2013</a:t>
+              <a:t>24.10.2013</a:t>
             </a:fld>
             <a:endParaRPr lang="ru-RU" noProof="0" dirty="0"/>
           </a:p>
@@ -9325,7 +9325,7 @@
           <a:p>
             <a:fld id="{F0DFD029-FB74-4578-B929-F66AA97659CA}" type="datetimeFigureOut">
               <a:rPr lang="ru-RU" noProof="0" smtClean="0"/>
-              <a:t>18.10.2013</a:t>
+              <a:t>24.10.2013</a:t>
             </a:fld>
             <a:endParaRPr lang="ru-RU" noProof="0" dirty="0"/>
           </a:p>
@@ -9530,7 +9530,7 @@
           <a:p>
             <a:fld id="{F0DFD029-FB74-4578-B929-F66AA97659CA}" type="datetimeFigureOut">
               <a:rPr lang="ru-RU" noProof="0" smtClean="0"/>
-              <a:t>18.10.2013</a:t>
+              <a:t>24.10.2013</a:t>
             </a:fld>
             <a:endParaRPr lang="ru-RU" noProof="0" dirty="0"/>
           </a:p>
@@ -9800,7 +9800,7 @@
           <a:p>
             <a:fld id="{F0DFD029-FB74-4578-B929-F66AA97659CA}" type="datetimeFigureOut">
               <a:rPr lang="ru-RU" noProof="0" smtClean="0"/>
-              <a:t>18.10.2013</a:t>
+              <a:t>24.10.2013</a:t>
             </a:fld>
             <a:endParaRPr lang="ru-RU" noProof="0" dirty="0"/>
           </a:p>
@@ -10285,7 +10285,7 @@
           <a:p>
             <a:fld id="{F0DFD029-FB74-4578-B929-F66AA97659CA}" type="datetimeFigureOut">
               <a:rPr lang="ru-RU" noProof="0" smtClean="0"/>
-              <a:t>18.10.2013</a:t>
+              <a:t>24.10.2013</a:t>
             </a:fld>
             <a:endParaRPr lang="ru-RU" noProof="0" dirty="0"/>
           </a:p>
@@ -10753,7 +10753,7 @@
           <a:p>
             <a:fld id="{F0DFD029-FB74-4578-B929-F66AA97659CA}" type="datetimeFigureOut">
               <a:rPr lang="ru-RU" noProof="0" smtClean="0"/>
-              <a:t>18.10.2013</a:t>
+              <a:t>24.10.2013</a:t>
             </a:fld>
             <a:endParaRPr lang="ru-RU" noProof="0" dirty="0"/>
           </a:p>
@@ -10890,7 +10890,7 @@
           <a:p>
             <a:fld id="{F0DFD029-FB74-4578-B929-F66AA97659CA}" type="datetimeFigureOut">
               <a:rPr lang="ru-RU" noProof="0" smtClean="0"/>
-              <a:t>18.10.2013</a:t>
+              <a:t>24.10.2013</a:t>
             </a:fld>
             <a:endParaRPr lang="ru-RU" noProof="0" dirty="0"/>
           </a:p>
@@ -11004,7 +11004,7 @@
           <a:p>
             <a:fld id="{F0DFD029-FB74-4578-B929-F66AA97659CA}" type="datetimeFigureOut">
               <a:rPr lang="ru-RU" noProof="0" smtClean="0"/>
-              <a:t>18.10.2013</a:t>
+              <a:t>24.10.2013</a:t>
             </a:fld>
             <a:endParaRPr lang="ru-RU" noProof="0" dirty="0"/>
           </a:p>
@@ -11310,7 +11310,7 @@
           <a:p>
             <a:fld id="{F0DFD029-FB74-4578-B929-F66AA97659CA}" type="datetimeFigureOut">
               <a:rPr lang="ru-RU" noProof="0" smtClean="0"/>
-              <a:t>18.10.2013</a:t>
+              <a:t>24.10.2013</a:t>
             </a:fld>
             <a:endParaRPr lang="ru-RU" noProof="0" dirty="0"/>
           </a:p>
@@ -11605,7 +11605,7 @@
           <a:p>
             <a:fld id="{F0DFD029-FB74-4578-B929-F66AA97659CA}" type="datetimeFigureOut">
               <a:rPr lang="ru-RU" noProof="0" smtClean="0"/>
-              <a:t>18.10.2013</a:t>
+              <a:t>24.10.2013</a:t>
             </a:fld>
             <a:endParaRPr lang="ru-RU" noProof="0" dirty="0"/>
           </a:p>
@@ -12235,7 +12235,7 @@
             <a:fld id="{F0DFD029-FB74-4578-B929-F66AA97659CA}" type="datetimeFigureOut">
               <a:rPr lang="ru-RU" noProof="0" smtClean="0"/>
               <a:pPr/>
-              <a:t>18.10.2013</a:t>
+              <a:t>24.10.2013</a:t>
             </a:fld>
             <a:endParaRPr lang="ru-RU" noProof="0" dirty="0"/>
           </a:p>
@@ -12970,7 +12970,7 @@
         <p:spPr/>
         <p:txBody>
           <a:bodyPr>
-            <a:normAutofit fontScale="92500" lnSpcReduction="10000"/>
+            <a:normAutofit fontScale="85000" lnSpcReduction="10000"/>
           </a:bodyPr>
           <a:lstStyle/>
           <a:p>
@@ -13098,8 +13098,47 @@
               <a:t>Модули хранения данных в </a:t>
             </a:r>
             <a:r>
-              <a:rPr lang="en-US" smtClean="0"/>
-              <a:t>Mongo DB</a:t>
+              <a:rPr lang="en-US" dirty="0" smtClean="0"/>
+              <a:t>Mongo </a:t>
+            </a:r>
+            <a:r>
+              <a:rPr lang="en-US" dirty="0" smtClean="0"/>
+              <a:t>DB</a:t>
+            </a:r>
+            <a:endParaRPr lang="ru-RU" dirty="0" smtClean="0"/>
+          </a:p>
+          <a:p>
+            <a:r>
+              <a:rPr lang="en-US" dirty="0" err="1" smtClean="0"/>
+              <a:t>Zen.Core.NHibernate</a:t>
+            </a:r>
+            <a:r>
+              <a:rPr lang="ru-RU" dirty="0" smtClean="0"/>
+              <a:t> для хранения в </a:t>
+            </a:r>
+            <a:r>
+              <a:rPr lang="en-US" dirty="0" smtClean="0"/>
+              <a:t>SQL</a:t>
+            </a:r>
+            <a:r>
+              <a:rPr lang="ru-RU" dirty="0" smtClean="0"/>
+              <a:t> БД и </a:t>
+            </a:r>
+            <a:r>
+              <a:rPr lang="en-US" dirty="0" err="1" smtClean="0"/>
+              <a:t>Zen.Core.NHibernate.SQLite</a:t>
+            </a:r>
+            <a:r>
+              <a:rPr lang="ru-RU" dirty="0" smtClean="0"/>
+              <a:t> для организации строенного </a:t>
+            </a:r>
+            <a:r>
+              <a:rPr lang="en-US" dirty="0" smtClean="0"/>
+              <a:t>SQLite</a:t>
+            </a:r>
+            <a:r>
+              <a:rPr lang="ru-RU" dirty="0" smtClean="0"/>
+              <a:t> хранилища данных</a:t>
             </a:r>
             <a:endParaRPr lang="ru-RU" dirty="0"/>
           </a:p>
@@ -15327,7 +15366,39 @@
               <a:rPr lang="en-US" dirty="0">
                 <a:hlinkClick r:id="rId6"/>
               </a:rPr>
-              <a:t>https://www.nuget.org/packages/Zen.Core.Raven.Embeeded/</a:t>
+              <a:t>https://www.nuget.org/packages/Zen.Core.Raven.Embeeded</a:t>
+            </a:r>
+            <a:r>
+              <a:rPr lang="en-US" dirty="0" smtClean="0">
+                <a:hlinkClick r:id="rId6"/>
+              </a:rPr>
+              <a:t>/</a:t>
+            </a:r>
+            <a:endParaRPr lang="ru-RU" dirty="0" smtClean="0"/>
+          </a:p>
+          <a:p>
+            <a:pPr lvl="1"/>
+            <a:r>
+              <a:rPr lang="en-US" dirty="0">
+                <a:hlinkClick r:id="rId7"/>
+              </a:rPr>
+              <a:t>https://www.nuget.org/packages/Zen.Core.NHibernate</a:t>
+            </a:r>
+            <a:r>
+              <a:rPr lang="en-US" dirty="0" smtClean="0">
+                <a:hlinkClick r:id="rId7"/>
+              </a:rPr>
+              <a:t>/</a:t>
+            </a:r>
+            <a:endParaRPr lang="ru-RU" dirty="0" smtClean="0"/>
+          </a:p>
+          <a:p>
+            <a:pPr lvl="1"/>
+            <a:r>
+              <a:rPr lang="en-US" dirty="0">
+                <a:hlinkClick r:id="rId8"/>
+              </a:rPr>
+              <a:t>https://www.nuget.org/packages/Zen.Core.NHibernate.SQLite/</a:t>
             </a:r>
             <a:endParaRPr lang="ru-RU" dirty="0"/>
           </a:p>
